--- a/프레젠테이션/FromToday 발표자료.pptx
+++ b/프레젠테이션/FromToday 발표자료.pptx
@@ -1,26 +1,28 @@
 
 <file path=ppt/presentation.xml><?xml version="1.0" encoding="utf-8"?>
-<p:presentation xmlns:a="http://schemas.openxmlformats.org/drawingml/2006/main" xmlns:r="http://schemas.openxmlformats.org/officeDocument/2006/relationships" xmlns:p="http://schemas.openxmlformats.org/presentationml/2006/main" saveSubsetFonts="1">
+<p:presentation xmlns:r="http://schemas.openxmlformats.org/officeDocument/2006/relationships" xmlns:c="http://schemas.openxmlformats.org/drawingml/2006/chart" xmlns:a="http://schemas.openxmlformats.org/drawingml/2006/main" xmlns:dgm="http://schemas.openxmlformats.org/drawingml/2006/diagram" xmlns:dsp="http://schemas.microsoft.com/office/drawing/2008/diagram" xmlns:p="http://schemas.openxmlformats.org/presentationml/2006/main" saveSubsetFonts="1">
   <p:sldMasterIdLst>
-    <p:sldMasterId id="2147483676" r:id="rId1"/>
+    <p:sldMasterId id="2147483675" r:id="rId1"/>
   </p:sldMasterIdLst>
   <p:sldIdLst>
     <p:sldId id="256" r:id="rId2"/>
     <p:sldId id="257" r:id="rId3"/>
-    <p:sldId id="268" r:id="rId4"/>
-    <p:sldId id="269" r:id="rId5"/>
-    <p:sldId id="270" r:id="rId6"/>
-    <p:sldId id="271" r:id="rId7"/>
-    <p:sldId id="267" r:id="rId8"/>
-    <p:sldId id="273" r:id="rId9"/>
-    <p:sldId id="274" r:id="rId10"/>
-    <p:sldId id="275" r:id="rId11"/>
-    <p:sldId id="276" r:id="rId12"/>
-    <p:sldId id="277" r:id="rId13"/>
-    <p:sldId id="259" r:id="rId14"/>
-    <p:sldId id="262" r:id="rId15"/>
-    <p:sldId id="263" r:id="rId16"/>
-    <p:sldId id="264" r:id="rId17"/>
+    <p:sldId id="258" r:id="rId4"/>
+    <p:sldId id="259" r:id="rId5"/>
+    <p:sldId id="260" r:id="rId6"/>
+    <p:sldId id="261" r:id="rId7"/>
+    <p:sldId id="262" r:id="rId8"/>
+    <p:sldId id="263" r:id="rId9"/>
+    <p:sldId id="264" r:id="rId10"/>
+    <p:sldId id="265" r:id="rId11"/>
+    <p:sldId id="266" r:id="rId12"/>
+    <p:sldId id="267" r:id="rId13"/>
+    <p:sldId id="268" r:id="rId14"/>
+    <p:sldId id="269" r:id="rId15"/>
+    <p:sldId id="270" r:id="rId16"/>
+    <p:sldId id="271" r:id="rId17"/>
+    <p:sldId id="272" r:id="rId18"/>
+    <p:sldId id="273" r:id="rId19"/>
   </p:sldIdLst>
   <p:sldSz cx="12192000" cy="6858000"/>
   <p:notesSz cx="6858000" cy="9144000"/>
@@ -123,9 +125,17 @@
 </file>
 
 <file path=ppt/charts/chart1.xml><?xml version="1.0" encoding="utf-8"?>
-<c:chartSpace xmlns:c="http://schemas.openxmlformats.org/drawingml/2006/chart" xmlns:a="http://schemas.openxmlformats.org/drawingml/2006/main" xmlns:r="http://schemas.openxmlformats.org/officeDocument/2006/relationships">
-  <c:date1904 val="1"/>
-  <c:lang val="ko-KR"/>
+<c:chartSpace xmlns:r="http://schemas.openxmlformats.org/officeDocument/2006/relationships" xmlns:a="http://schemas.openxmlformats.org/drawingml/2006/main" xmlns:c="http://schemas.openxmlformats.org/drawingml/2006/chart">
+  <c:date1904 val="0"/>
+  <mc:AlternateContent xmlns:mc="http://schemas.openxmlformats.org/markup-compatibility/2006">
+    <mc:Choice xmlns:c14="http://schemas.microsoft.com/office/drawing/2007/8/2/chart" Requires="c14">
+      <c14:style val="102"/>
+    </mc:Choice>
+    <mc:Fallback>
+      <c:style val="2"/>
+    </mc:Fallback>
+  </mc:AlternateContent>
+  <c:roundedCorners val="0"/>
   <c:chart>
     <c:autoTitleDeleted val="1"/>
     <c:plotArea>
@@ -134,15 +144,16 @@
           <c:layoutTarget val="inner"/>
           <c:xMode val="edge"/>
           <c:yMode val="edge"/>
-          <c:x val="1.7496635262449527E-2"/>
-          <c:y val="6.9597449993273192E-2"/>
-          <c:w val="0.9703903095558547"/>
-          <c:h val="0.89212395251042675"/>
+          <c:x val="0.017496636137366295"/>
+          <c:y val="0.069597452878952026"/>
+          <c:w val="0.97039031982421875"/>
+          <c:h val="0.89212393760681152"/>
         </c:manualLayout>
       </c:layout>
       <c:barChart>
         <c:barDir val="col"/>
         <c:grouping val="clustered"/>
+        <c:varyColors val="0"/>
         <c:ser>
           <c:idx val="0"/>
           <c:order val="0"/>
@@ -159,7 +170,7 @@
           </c:tx>
           <c:spPr>
             <a:solidFill>
-              <a:srgbClr val="9AA6C0"/>
+              <a:srgbClr val="9aa6c0"/>
             </a:solidFill>
             <a:ln w="19050" cap="rnd">
               <a:noFill/>
@@ -169,9 +180,11 @@
           </c:spPr>
           <c:dPt>
             <c:idx val="5"/>
+            <c:invertIfNegative val="0"/>
+            <c:bubble3D val="0"/>
             <c:spPr>
               <a:solidFill>
-                <a:srgbClr val="9AA6C0"/>
+                <a:srgbClr val="9aa6c0"/>
               </a:solidFill>
               <a:ln w="19050" cap="rnd">
                 <a:noFill/>
@@ -179,135 +192,175 @@
               </a:ln>
               <a:effectLst/>
             </c:spPr>
-            <c:extLst xmlns:c16r2="http://schemas.microsoft.com/office/drawing/2015/06/chart">
-              <c:ext xmlns:c16="http://schemas.microsoft.com/office/drawing/2014/chart" uri="{C3380CC4-5D6E-409C-BE32-E72D297353CC}">
-                <c16:uniqueId val="{00000001-1B42-4D07-83B4-D10C63A65F45}"/>
-              </c:ext>
-            </c:extLst>
           </c:dPt>
+          <c:invertIfNegative val="0"/>
           <c:dLbls>
             <c:dLbl>
               <c:idx val="0"/>
-              <c:layout/>
               <c:tx>
                 <c:rich>
                   <a:bodyPr/>
                   <a:lstStyle/>
                   <a:p>
+                    <a:pPr>
+                      <a:defRPr/>
+                    </a:pPr>
                     <a:r>
-                      <a:rPr lang="en-US" altLang="en-US" smtClean="0"/>
+                      <a:rPr lang="ko-KR" altLang="en-US" dirty="0" smtClean="0"/>
                       <a:t>2,520</a:t>
                     </a:r>
-                    <a:endParaRPr lang="en-US" altLang="en-US"/>
+                    <a:endParaRPr lang="ko-KR"/>
                   </a:p>
                 </c:rich>
               </c:tx>
               <c:dLblPos val="outEnd"/>
+              <c:showLegendKey val="0"/>
               <c:showVal val="1"/>
+              <c:showCatName val="0"/>
+              <c:showSerName val="0"/>
+              <c:showPercent val="0"/>
+              <c:showBubbleSize val="0"/>
             </c:dLbl>
             <c:dLbl>
               <c:idx val="1"/>
-              <c:layout/>
               <c:tx>
                 <c:rich>
                   <a:bodyPr/>
                   <a:lstStyle/>
                   <a:p>
+                    <a:pPr>
+                      <a:defRPr/>
+                    </a:pPr>
                     <a:r>
-                      <a:rPr lang="en-US" altLang="en-US" smtClean="0"/>
+                      <a:rPr lang="ko-KR" altLang="en-US" dirty="0" smtClean="0"/>
                       <a:t>5,166</a:t>
                     </a:r>
-                    <a:endParaRPr lang="en-US" altLang="en-US"/>
+                    <a:endParaRPr lang="ko-KR"/>
                   </a:p>
                 </c:rich>
               </c:tx>
               <c:dLblPos val="outEnd"/>
+              <c:showLegendKey val="0"/>
               <c:showVal val="1"/>
+              <c:showCatName val="0"/>
+              <c:showSerName val="0"/>
+              <c:showPercent val="0"/>
+              <c:showBubbleSize val="0"/>
             </c:dLbl>
             <c:dLbl>
               <c:idx val="2"/>
-              <c:layout/>
               <c:tx>
                 <c:rich>
                   <a:bodyPr/>
                   <a:lstStyle/>
                   <a:p>
+                    <a:pPr>
+                      <a:defRPr/>
+                    </a:pPr>
                     <a:r>
-                      <a:rPr lang="en-US" altLang="en-US" smtClean="0"/>
+                      <a:rPr lang="ko-KR" altLang="en-US" dirty="0" smtClean="0"/>
                       <a:t>7,140</a:t>
                     </a:r>
+                    <a:endParaRPr lang="ko-KR"/>
                   </a:p>
                 </c:rich>
               </c:tx>
               <c:dLblPos val="outEnd"/>
+              <c:showLegendKey val="0"/>
               <c:showVal val="1"/>
+              <c:showCatName val="0"/>
+              <c:showSerName val="0"/>
+              <c:showPercent val="0"/>
+              <c:showBubbleSize val="0"/>
             </c:dLbl>
             <c:dLbl>
               <c:idx val="3"/>
-              <c:layout/>
               <c:tx>
                 <c:rich>
                   <a:bodyPr/>
                   <a:lstStyle/>
                   <a:p>
+                    <a:pPr>
+                      <a:defRPr/>
+                    </a:pPr>
                     <a:r>
-                      <a:rPr lang="en-US" altLang="en-US" smtClean="0"/>
+                      <a:rPr lang="ko-KR" altLang="en-US" dirty="0" smtClean="0"/>
                       <a:t>8,862</a:t>
                     </a:r>
-                    <a:endParaRPr lang="en-US" altLang="en-US" dirty="0"/>
+                    <a:endParaRPr lang="ko-KR"/>
                   </a:p>
                 </c:rich>
               </c:tx>
               <c:dLblPos val="outEnd"/>
+              <c:showLegendKey val="0"/>
               <c:showVal val="1"/>
+              <c:showCatName val="0"/>
+              <c:showSerName val="0"/>
+              <c:showPercent val="0"/>
+              <c:showBubbleSize val="0"/>
             </c:dLbl>
             <c:dLbl>
               <c:idx val="4"/>
-              <c:layout/>
               <c:tx>
                 <c:rich>
                   <a:bodyPr/>
                   <a:lstStyle/>
                   <a:p>
+                    <a:pPr>
+                      <a:defRPr/>
+                    </a:pPr>
                     <a:r>
-                      <a:rPr lang="en-US" altLang="en-US" smtClean="0"/>
+                      <a:rPr lang="ko-KR" altLang="en-US" dirty="0" smtClean="0"/>
                       <a:t>10,920</a:t>
                     </a:r>
+                    <a:endParaRPr lang="ko-KR"/>
                   </a:p>
                 </c:rich>
               </c:tx>
               <c:dLblPos val="outEnd"/>
+              <c:showLegendKey val="0"/>
               <c:showVal val="1"/>
+              <c:showCatName val="0"/>
+              <c:showSerName val="0"/>
+              <c:showPercent val="0"/>
+              <c:showBubbleSize val="0"/>
             </c:dLbl>
             <c:dLbl>
               <c:idx val="5"/>
-              <c:layout/>
               <c:tx>
                 <c:rich>
                   <a:bodyPr/>
                   <a:lstStyle/>
                   <a:p>
+                    <a:pPr>
+                      <a:defRPr/>
+                    </a:pPr>
                     <a:r>
-                      <a:rPr lang="en-US" altLang="en-US" smtClean="0"/>
+                      <a:rPr lang="ko-KR" altLang="en-US" dirty="0" smtClean="0"/>
                       <a:t>12,642</a:t>
                     </a:r>
+                    <a:endParaRPr lang="ko-KR"/>
                   </a:p>
                 </c:rich>
               </c:tx>
               <c:dLblPos val="outEnd"/>
+              <c:showLegendKey val="0"/>
               <c:showVal val="1"/>
+              <c:showCatName val="0"/>
+              <c:showSerName val="0"/>
+              <c:showPercent val="0"/>
+              <c:showBubbleSize val="0"/>
             </c:dLbl>
+            <c:delete val="0"/>
             <c:spPr>
               <a:noFill/>
-              <a:ln>
+              <a:ln w="9525">
                 <a:noFill/>
               </a:ln>
               <a:effectLst/>
             </c:spPr>
             <c:txPr>
-              <a:bodyPr wrap="square" lIns="38100" tIns="19050" rIns="38100" bIns="19050" anchor="ctr">
-                <a:spAutoFit/>
-              </a:bodyPr>
+              <a:bodyPr/>
               <a:lstStyle/>
               <a:p>
                 <a:pPr>
@@ -318,21 +371,19 @@
                         <a:lumOff val="35000"/>
                       </a:schemeClr>
                     </a:solidFill>
-                    <a:latin typeface="+mn-ea"/>
-                    <a:ea typeface="+mn-ea"/>
                   </a:defRPr>
                 </a:pPr>
                 <a:endParaRPr lang="ko-KR"/>
               </a:p>
             </c:txPr>
             <c:dLblPos val="outEnd"/>
+            <c:showLegendKey val="0"/>
             <c:showVal val="1"/>
-            <c:extLst xmlns:c16r2="http://schemas.microsoft.com/office/drawing/2015/06/chart">
-              <c:ext xmlns:c15="http://schemas.microsoft.com/office/drawing/2012/chart" uri="{CE6537A1-D6FC-4f65-9D91-7224C49458BB}">
-                <c15:layout/>
-                <c15:showLeaderLines val="1"/>
-              </c:ext>
-            </c:extLst>
+            <c:showCatName val="0"/>
+            <c:showSerName val="0"/>
+            <c:showPercent val="0"/>
+            <c:showBubbleSize val="0"/>
+            <c:showLeaderLines val="0"/>
           </c:dLbls>
           <c:cat>
             <c:numRef>
@@ -388,16 +439,19 @@
               </c:numCache>
             </c:numRef>
           </c:val>
-          <c:extLst xmlns:c16r2="http://schemas.microsoft.com/office/drawing/2015/06/chart">
-            <c:ext xmlns:c16="http://schemas.microsoft.com/office/drawing/2014/chart" uri="{C3380CC4-5D6E-409C-BE32-E72D297353CC}">
-              <c16:uniqueId val="{00000000-1B42-4D07-83B4-D10C63A65F45}"/>
-            </c:ext>
-          </c:extLst>
         </c:ser>
         <c:dLbls>
+          <c:delete val="0"/>
+          <c:showLegendKey val="0"/>
           <c:showVal val="1"/>
+          <c:showCatName val="0"/>
+          <c:showSerName val="0"/>
+          <c:showPercent val="0"/>
+          <c:showBubbleSize val="0"/>
+          <c:showLeaderLines val="0"/>
         </c:dLbls>
         <c:gapWidth val="303"/>
+        <c:overlap val="0"/>
         <c:axId val="129192320"/>
         <c:axId val="129194240"/>
       </c:barChart>
@@ -406,28 +460,32 @@
         <c:scaling>
           <c:orientation val="minMax"/>
         </c:scaling>
+        <c:axPos val="b"/>
+        <c:crossAx val="129194240"/>
         <c:delete val="1"/>
-        <c:axPos val="b"/>
         <c:numFmt formatCode="General" sourceLinked="1"/>
         <c:majorTickMark val="none"/>
+        <c:minorTickMark val="none"/>
         <c:tickLblPos val="none"/>
-        <c:crossAx val="129194240"/>
         <c:crosses val="autoZero"/>
         <c:auto val="1"/>
         <c:lblAlgn val="ctr"/>
         <c:lblOffset val="100"/>
+        <c:tickMarkSkip val="1"/>
+        <c:noMultiLvlLbl val="0"/>
       </c:catAx>
       <c:valAx>
         <c:axId val="129194240"/>
         <c:scaling>
           <c:orientation val="minMax"/>
         </c:scaling>
+        <c:axPos val="l"/>
+        <c:crossAx val="129192320"/>
         <c:delete val="1"/>
-        <c:axPos val="l"/>
         <c:numFmt formatCode="0%" sourceLinked="1"/>
         <c:majorTickMark val="none"/>
+        <c:minorTickMark val="none"/>
         <c:tickLblPos val="none"/>
-        <c:crossAx val="129192320"/>
         <c:crosses val="autoZero"/>
         <c:crossBetween val="between"/>
       </c:valAx>
@@ -439,9 +497,18 @@
         <a:effectLst/>
       </c:spPr>
     </c:plotArea>
-    <c:plotVisOnly val="1"/>
     <c:dispBlanksAs val="gap"/>
   </c:chart>
+  <c:txPr>
+    <a:bodyPr/>
+    <a:lstStyle/>
+    <a:p>
+      <a:pPr>
+        <a:defRPr/>
+      </a:pPr>
+      <a:endParaRPr lang="ko-KR"/>
+    </a:p>
+  </c:txPr>
   <c:spPr>
     <a:noFill/>
     <a:ln>
@@ -449,23 +516,11 @@
     </a:ln>
     <a:effectLst/>
   </c:spPr>
-  <c:txPr>
-    <a:bodyPr/>
-    <a:lstStyle/>
-    <a:p>
-      <a:pPr>
-        <a:defRPr>
-          <a:solidFill>
-            <a:schemeClr val="bg1">
-              <a:lumMod val="85000"/>
-            </a:schemeClr>
-          </a:solidFill>
-        </a:defRPr>
-      </a:pPr>
-      <a:endParaRPr lang="ko-KR"/>
-    </a:p>
-  </c:txPr>
-  <c:externalData r:id="rId1"/>
+  <c:extLst>
+    <c:ext uri="CC8EB2C9-7E31-499d-B8F2-F6CE61031016">
+      <ho:hncChartStyle xmlns:ho="http://schemas.haansoft.com/office/8.0" layoutIndex="-1" colorIndex="-1" styleIndex="-1"/>
+    </c:ext>
+  </c:extLst>
 </c:chartSpace>
 </file>
 
@@ -722,7 +777,7 @@
 </file>
 
 <file path=ppt/slideLayouts/slideLayout10.xml><?xml version="1.0" encoding="utf-8"?>
-<p:sldLayout xmlns:a="http://schemas.openxmlformats.org/drawingml/2006/main" xmlns:r="http://schemas.openxmlformats.org/officeDocument/2006/relationships" xmlns:p="http://schemas.openxmlformats.org/presentationml/2006/main" matchingName="제목 및 세로 본문" type="vertTx" preserve="1">
+<p:sldLayout xmlns:r="http://schemas.openxmlformats.org/officeDocument/2006/relationships" xmlns:c="http://schemas.openxmlformats.org/drawingml/2006/chart" xmlns:a="http://schemas.openxmlformats.org/drawingml/2006/main" xmlns:dgm="http://schemas.openxmlformats.org/drawingml/2006/diagram" xmlns:dsp="http://schemas.microsoft.com/office/drawing/2008/diagram" xmlns:p="http://schemas.openxmlformats.org/presentationml/2006/main" showMasterPhAnim="1" matchingName="제목 및 세로 본문" type="vertTx" preserve="1">
   <p:cSld name="제목 및 세로 본문">
     <p:spTree>
       <p:nvGrpSpPr>
@@ -745,7 +800,7 @@
             <a:spLocks noGrp="1"/>
           </p:cNvSpPr>
           <p:nvPr>
-            <p:ph type="title"/>
+            <p:ph type="title" idx="0"/>
           </p:nvPr>
         </p:nvSpPr>
         <p:spPr/>
@@ -760,6 +815,7 @@
               <a:rPr lang="ko-KR" altLang="en-US"/>
               <a:t>마스터 제목 스타일 편집</a:t>
             </a:r>
+            <a:endParaRPr lang="ko-KR" altLang="en-US"/>
           </a:p>
         </p:txBody>
       </p:sp>
@@ -785,6 +841,7 @@
               <a:rPr lang="ko-KR" altLang="en-US"/>
               <a:t>마스터 텍스트 스타일을 편집합니다</a:t>
             </a:r>
+            <a:endParaRPr lang="ko-KR" altLang="en-US"/>
           </a:p>
           <a:p>
             <a:pPr lvl="1">
@@ -794,6 +851,7 @@
               <a:rPr lang="ko-KR" altLang="en-US"/>
               <a:t>둘째 수준</a:t>
             </a:r>
+            <a:endParaRPr lang="ko-KR" altLang="en-US"/>
           </a:p>
           <a:p>
             <a:pPr lvl="2">
@@ -803,6 +861,7 @@
               <a:rPr lang="ko-KR" altLang="en-US"/>
               <a:t>셋째 수준</a:t>
             </a:r>
+            <a:endParaRPr lang="ko-KR" altLang="en-US"/>
           </a:p>
           <a:p>
             <a:pPr lvl="3">
@@ -812,6 +871,7 @@
               <a:rPr lang="ko-KR" altLang="en-US"/>
               <a:t>넷째 수준</a:t>
             </a:r>
+            <a:endParaRPr lang="ko-KR" altLang="en-US"/>
           </a:p>
           <a:p>
             <a:pPr lvl="4">
@@ -821,6 +881,7 @@
               <a:rPr lang="ko-KR" altLang="en-US"/>
               <a:t>다섯째 수준</a:t>
             </a:r>
+            <a:endParaRPr lang="ko-KR" altLang="en-US"/>
           </a:p>
         </p:txBody>
       </p:sp>
@@ -883,6 +944,16 @@
             <a:pPr lvl="0">
               <a:defRPr lang="ko-KR" altLang="en-US"/>
             </a:pPr>
+            <a:r>
+              <a:rPr lang="ko-KR" altLang="en-US">
+                <a:solidFill>
+                  <a:prstClr val="black">
+                    <a:tint val="75000"/>
+                  </a:prstClr>
+                </a:solidFill>
+              </a:rPr>
+              <a:t/>
+            </a:r>
             <a:endParaRPr lang="ko-KR" altLang="en-US">
               <a:solidFill>
                 <a:prstClr val="black">
@@ -939,12 +1010,12 @@
   <p:clrMapOvr>
     <a:masterClrMapping/>
   </p:clrMapOvr>
-  <p:transition/>
+  <p:transition xmlns:mc="http://schemas.openxmlformats.org/markup-compatibility/2006" xmlns:hp="http://schemas.haansoft.com/office/presentation/8.0" mc:Ignorable="hp" hp:hslDur="500"/>
 </p:sldLayout>
 </file>
 
 <file path=ppt/slideLayouts/slideLayout11.xml><?xml version="1.0" encoding="utf-8"?>
-<p:sldLayout xmlns:a="http://schemas.openxmlformats.org/drawingml/2006/main" xmlns:r="http://schemas.openxmlformats.org/officeDocument/2006/relationships" xmlns:p="http://schemas.openxmlformats.org/presentationml/2006/main" matchingName="세로 제목 및 본문" type="vertTitleAndTx" preserve="1">
+<p:sldLayout xmlns:r="http://schemas.openxmlformats.org/officeDocument/2006/relationships" xmlns:c="http://schemas.openxmlformats.org/drawingml/2006/chart" xmlns:a="http://schemas.openxmlformats.org/drawingml/2006/main" xmlns:dgm="http://schemas.openxmlformats.org/drawingml/2006/diagram" xmlns:dsp="http://schemas.microsoft.com/office/drawing/2008/diagram" xmlns:p="http://schemas.openxmlformats.org/presentationml/2006/main" showMasterPhAnim="1" matchingName="세로 제목 및 본문" type="vertTitleAndTx" preserve="1">
   <p:cSld name="세로 제목 및 본문">
     <p:spTree>
       <p:nvGrpSpPr>
@@ -967,7 +1038,7 @@
             <a:spLocks noGrp="1"/>
           </p:cNvSpPr>
           <p:nvPr>
-            <p:ph type="title" orient="vert"/>
+            <p:ph type="title" orient="vert" idx="0"/>
           </p:nvPr>
         </p:nvSpPr>
         <p:spPr>
@@ -987,6 +1058,7 @@
               <a:rPr lang="ko-KR" altLang="en-US"/>
               <a:t>마스터 제목 스타일 편집</a:t>
             </a:r>
+            <a:endParaRPr lang="ko-KR" altLang="en-US"/>
           </a:p>
         </p:txBody>
       </p:sp>
@@ -1017,6 +1089,7 @@
               <a:rPr lang="ko-KR" altLang="en-US"/>
               <a:t>마스터 텍스트 스타일을 편집합니다</a:t>
             </a:r>
+            <a:endParaRPr lang="ko-KR" altLang="en-US"/>
           </a:p>
           <a:p>
             <a:pPr lvl="1">
@@ -1026,6 +1099,7 @@
               <a:rPr lang="ko-KR" altLang="en-US"/>
               <a:t>둘째 수준</a:t>
             </a:r>
+            <a:endParaRPr lang="ko-KR" altLang="en-US"/>
           </a:p>
           <a:p>
             <a:pPr lvl="2">
@@ -1035,6 +1109,7 @@
               <a:rPr lang="ko-KR" altLang="en-US"/>
               <a:t>셋째 수준</a:t>
             </a:r>
+            <a:endParaRPr lang="ko-KR" altLang="en-US"/>
           </a:p>
           <a:p>
             <a:pPr lvl="3">
@@ -1044,6 +1119,7 @@
               <a:rPr lang="ko-KR" altLang="en-US"/>
               <a:t>넷째 수준</a:t>
             </a:r>
+            <a:endParaRPr lang="ko-KR" altLang="en-US"/>
           </a:p>
           <a:p>
             <a:pPr lvl="4">
@@ -1053,6 +1129,7 @@
               <a:rPr lang="ko-KR" altLang="en-US"/>
               <a:t>다섯째 수준</a:t>
             </a:r>
+            <a:endParaRPr lang="ko-KR" altLang="en-US"/>
           </a:p>
         </p:txBody>
       </p:sp>
@@ -1115,6 +1192,16 @@
             <a:pPr lvl="0">
               <a:defRPr lang="ko-KR" altLang="en-US"/>
             </a:pPr>
+            <a:r>
+              <a:rPr lang="ko-KR" altLang="en-US">
+                <a:solidFill>
+                  <a:prstClr val="black">
+                    <a:tint val="75000"/>
+                  </a:prstClr>
+                </a:solidFill>
+              </a:rPr>
+              <a:t/>
+            </a:r>
             <a:endParaRPr lang="ko-KR" altLang="en-US">
               <a:solidFill>
                 <a:prstClr val="black">
@@ -1171,7 +1258,7 @@
   <p:clrMapOvr>
     <a:masterClrMapping/>
   </p:clrMapOvr>
-  <p:transition/>
+  <p:transition xmlns:mc="http://schemas.openxmlformats.org/markup-compatibility/2006" xmlns:hp="http://schemas.haansoft.com/office/presentation/8.0" mc:Ignorable="hp" hp:hslDur="500"/>
 </p:sldLayout>
 </file>
 
@@ -1406,7 +1493,7 @@
 </file>
 
 <file path=ppt/slideLayouts/slideLayout3.xml><?xml version="1.0" encoding="utf-8"?>
-<p:sldLayout xmlns:a="http://schemas.openxmlformats.org/drawingml/2006/main" xmlns:r="http://schemas.openxmlformats.org/officeDocument/2006/relationships" xmlns:p="http://schemas.openxmlformats.org/presentationml/2006/main" matchingName="구역 머리글" type="secHead" preserve="1">
+<p:sldLayout xmlns:r="http://schemas.openxmlformats.org/officeDocument/2006/relationships" xmlns:c="http://schemas.openxmlformats.org/drawingml/2006/chart" xmlns:a="http://schemas.openxmlformats.org/drawingml/2006/main" xmlns:dgm="http://schemas.openxmlformats.org/drawingml/2006/diagram" xmlns:dsp="http://schemas.microsoft.com/office/drawing/2008/diagram" xmlns:p="http://schemas.openxmlformats.org/presentationml/2006/main" showMasterPhAnim="1" matchingName="구역 머리글" type="secHead" preserve="1">
   <p:cSld name="구역 머리글">
     <p:spTree>
       <p:nvGrpSpPr>
@@ -1429,7 +1516,7 @@
             <a:spLocks noGrp="1"/>
           </p:cNvSpPr>
           <p:nvPr>
-            <p:ph type="title"/>
+            <p:ph type="title" idx="0"/>
           </p:nvPr>
         </p:nvSpPr>
         <p:spPr>
@@ -1453,6 +1540,7 @@
               <a:rPr lang="ko-KR" altLang="en-US"/>
               <a:t>마스터 제목 스타일 편집</a:t>
             </a:r>
+            <a:endParaRPr lang="ko-KR" altLang="en-US"/>
           </a:p>
         </p:txBody>
       </p:sp>
@@ -1574,6 +1662,7 @@
               <a:rPr lang="ko-KR" altLang="en-US"/>
               <a:t>마스터 텍스트 스타일을 편집합니다</a:t>
             </a:r>
+            <a:endParaRPr lang="ko-KR" altLang="en-US"/>
           </a:p>
         </p:txBody>
       </p:sp>
@@ -1636,6 +1725,16 @@
             <a:pPr lvl="0">
               <a:defRPr lang="ko-KR" altLang="en-US"/>
             </a:pPr>
+            <a:r>
+              <a:rPr lang="ko-KR" altLang="en-US">
+                <a:solidFill>
+                  <a:prstClr val="black">
+                    <a:tint val="75000"/>
+                  </a:prstClr>
+                </a:solidFill>
+              </a:rPr>
+              <a:t/>
+            </a:r>
             <a:endParaRPr lang="ko-KR" altLang="en-US">
               <a:solidFill>
                 <a:prstClr val="black">
@@ -1692,12 +1791,12 @@
   <p:clrMapOvr>
     <a:masterClrMapping/>
   </p:clrMapOvr>
-  <p:transition/>
+  <p:transition xmlns:mc="http://schemas.openxmlformats.org/markup-compatibility/2006" xmlns:hp="http://schemas.haansoft.com/office/presentation/8.0" mc:Ignorable="hp" hp:hslDur="500"/>
 </p:sldLayout>
 </file>
 
 <file path=ppt/slideLayouts/slideLayout4.xml><?xml version="1.0" encoding="utf-8"?>
-<p:sldLayout xmlns:a="http://schemas.openxmlformats.org/drawingml/2006/main" xmlns:r="http://schemas.openxmlformats.org/officeDocument/2006/relationships" xmlns:p="http://schemas.openxmlformats.org/presentationml/2006/main" matchingName="제목 및 내용 2개" type="twoObj" preserve="1">
+<p:sldLayout xmlns:r="http://schemas.openxmlformats.org/officeDocument/2006/relationships" xmlns:c="http://schemas.openxmlformats.org/drawingml/2006/chart" xmlns:a="http://schemas.openxmlformats.org/drawingml/2006/main" xmlns:dgm="http://schemas.openxmlformats.org/drawingml/2006/diagram" xmlns:dsp="http://schemas.microsoft.com/office/drawing/2008/diagram" xmlns:p="http://schemas.openxmlformats.org/presentationml/2006/main" showMasterPhAnim="1" matchingName="제목 및 내용 2개" type="twoObj" preserve="1">
   <p:cSld name="제목 및 내용 2개">
     <p:spTree>
       <p:nvGrpSpPr>
@@ -1720,7 +1819,7 @@
             <a:spLocks noGrp="1"/>
           </p:cNvSpPr>
           <p:nvPr>
-            <p:ph type="title"/>
+            <p:ph type="title" idx="0"/>
           </p:nvPr>
         </p:nvSpPr>
         <p:spPr/>
@@ -1735,6 +1834,7 @@
               <a:rPr lang="ko-KR" altLang="en-US"/>
               <a:t>마스터 제목 스타일 편집</a:t>
             </a:r>
+            <a:endParaRPr lang="ko-KR" altLang="en-US"/>
           </a:p>
         </p:txBody>
       </p:sp>
@@ -1765,6 +1865,7 @@
               <a:rPr lang="ko-KR" altLang="en-US"/>
               <a:t>마스터 텍스트 스타일을 편집합니다</a:t>
             </a:r>
+            <a:endParaRPr lang="ko-KR" altLang="en-US"/>
           </a:p>
           <a:p>
             <a:pPr lvl="1">
@@ -1774,6 +1875,7 @@
               <a:rPr lang="ko-KR" altLang="en-US"/>
               <a:t>둘째 수준</a:t>
             </a:r>
+            <a:endParaRPr lang="ko-KR" altLang="en-US"/>
           </a:p>
           <a:p>
             <a:pPr lvl="2">
@@ -1783,6 +1885,7 @@
               <a:rPr lang="ko-KR" altLang="en-US"/>
               <a:t>셋째 수준</a:t>
             </a:r>
+            <a:endParaRPr lang="ko-KR" altLang="en-US"/>
           </a:p>
           <a:p>
             <a:pPr lvl="3">
@@ -1792,6 +1895,7 @@
               <a:rPr lang="ko-KR" altLang="en-US"/>
               <a:t>넷째 수준</a:t>
             </a:r>
+            <a:endParaRPr lang="ko-KR" altLang="en-US"/>
           </a:p>
           <a:p>
             <a:pPr lvl="4">
@@ -1801,6 +1905,7 @@
               <a:rPr lang="ko-KR" altLang="en-US"/>
               <a:t>다섯째 수준</a:t>
             </a:r>
+            <a:endParaRPr lang="ko-KR" altLang="en-US"/>
           </a:p>
         </p:txBody>
       </p:sp>
@@ -1831,6 +1936,7 @@
               <a:rPr lang="ko-KR" altLang="en-US"/>
               <a:t>마스터 텍스트 스타일을 편집합니다</a:t>
             </a:r>
+            <a:endParaRPr lang="ko-KR" altLang="en-US"/>
           </a:p>
           <a:p>
             <a:pPr lvl="1">
@@ -1840,6 +1946,7 @@
               <a:rPr lang="ko-KR" altLang="en-US"/>
               <a:t>둘째 수준</a:t>
             </a:r>
+            <a:endParaRPr lang="ko-KR" altLang="en-US"/>
           </a:p>
           <a:p>
             <a:pPr lvl="2">
@@ -1849,6 +1956,7 @@
               <a:rPr lang="ko-KR" altLang="en-US"/>
               <a:t>셋째 수준</a:t>
             </a:r>
+            <a:endParaRPr lang="ko-KR" altLang="en-US"/>
           </a:p>
           <a:p>
             <a:pPr lvl="3">
@@ -1858,6 +1966,7 @@
               <a:rPr lang="ko-KR" altLang="en-US"/>
               <a:t>넷째 수준</a:t>
             </a:r>
+            <a:endParaRPr lang="ko-KR" altLang="en-US"/>
           </a:p>
           <a:p>
             <a:pPr lvl="4">
@@ -1867,6 +1976,7 @@
               <a:rPr lang="ko-KR" altLang="en-US"/>
               <a:t>다섯째 수준</a:t>
             </a:r>
+            <a:endParaRPr lang="ko-KR" altLang="en-US"/>
           </a:p>
         </p:txBody>
       </p:sp>
@@ -1929,6 +2039,16 @@
             <a:pPr lvl="0">
               <a:defRPr lang="ko-KR" altLang="en-US"/>
             </a:pPr>
+            <a:r>
+              <a:rPr lang="ko-KR" altLang="en-US">
+                <a:solidFill>
+                  <a:prstClr val="black">
+                    <a:tint val="75000"/>
+                  </a:prstClr>
+                </a:solidFill>
+              </a:rPr>
+              <a:t/>
+            </a:r>
             <a:endParaRPr lang="ko-KR" altLang="en-US">
               <a:solidFill>
                 <a:prstClr val="black">
@@ -1985,12 +2105,12 @@
   <p:clrMapOvr>
     <a:masterClrMapping/>
   </p:clrMapOvr>
-  <p:transition/>
+  <p:transition xmlns:mc="http://schemas.openxmlformats.org/markup-compatibility/2006" xmlns:hp="http://schemas.haansoft.com/office/presentation/8.0" mc:Ignorable="hp" hp:hslDur="500"/>
 </p:sldLayout>
 </file>
 
 <file path=ppt/slideLayouts/slideLayout5.xml><?xml version="1.0" encoding="utf-8"?>
-<p:sldLayout xmlns:a="http://schemas.openxmlformats.org/drawingml/2006/main" xmlns:r="http://schemas.openxmlformats.org/officeDocument/2006/relationships" xmlns:p="http://schemas.openxmlformats.org/presentationml/2006/main" matchingName="비교" type="twoTxTwoObj" preserve="1">
+<p:sldLayout xmlns:r="http://schemas.openxmlformats.org/officeDocument/2006/relationships" xmlns:c="http://schemas.openxmlformats.org/drawingml/2006/chart" xmlns:a="http://schemas.openxmlformats.org/drawingml/2006/main" xmlns:dgm="http://schemas.openxmlformats.org/drawingml/2006/diagram" xmlns:dsp="http://schemas.microsoft.com/office/drawing/2008/diagram" xmlns:p="http://schemas.openxmlformats.org/presentationml/2006/main" showMasterPhAnim="1" matchingName="비교" type="twoTxTwoObj" preserve="1">
   <p:cSld name="비교">
     <p:spTree>
       <p:nvGrpSpPr>
@@ -2013,7 +2133,7 @@
             <a:spLocks noGrp="1"/>
           </p:cNvSpPr>
           <p:nvPr>
-            <p:ph type="title"/>
+            <p:ph type="title" idx="0"/>
           </p:nvPr>
         </p:nvSpPr>
         <p:spPr>
@@ -2033,6 +2153,7 @@
               <a:rPr lang="ko-KR" altLang="en-US"/>
               <a:t>마스터 제목 스타일 편집</a:t>
             </a:r>
+            <a:endParaRPr lang="ko-KR" altLang="en-US"/>
           </a:p>
         </p:txBody>
       </p:sp>
@@ -2100,6 +2221,7 @@
               <a:rPr lang="ko-KR" altLang="en-US"/>
               <a:t>마스터 텍스트 스타일을 편집합니다</a:t>
             </a:r>
+            <a:endParaRPr lang="ko-KR" altLang="en-US"/>
           </a:p>
         </p:txBody>
       </p:sp>
@@ -2130,6 +2252,7 @@
               <a:rPr lang="ko-KR" altLang="en-US"/>
               <a:t>마스터 텍스트 스타일을 편집합니다</a:t>
             </a:r>
+            <a:endParaRPr lang="ko-KR" altLang="en-US"/>
           </a:p>
           <a:p>
             <a:pPr lvl="1">
@@ -2139,6 +2262,7 @@
               <a:rPr lang="ko-KR" altLang="en-US"/>
               <a:t>둘째 수준</a:t>
             </a:r>
+            <a:endParaRPr lang="ko-KR" altLang="en-US"/>
           </a:p>
           <a:p>
             <a:pPr lvl="2">
@@ -2148,6 +2272,7 @@
               <a:rPr lang="ko-KR" altLang="en-US"/>
               <a:t>셋째 수준</a:t>
             </a:r>
+            <a:endParaRPr lang="ko-KR" altLang="en-US"/>
           </a:p>
           <a:p>
             <a:pPr lvl="3">
@@ -2157,6 +2282,7 @@
               <a:rPr lang="ko-KR" altLang="en-US"/>
               <a:t>넷째 수준</a:t>
             </a:r>
+            <a:endParaRPr lang="ko-KR" altLang="en-US"/>
           </a:p>
           <a:p>
             <a:pPr lvl="4">
@@ -2166,6 +2292,7 @@
               <a:rPr lang="ko-KR" altLang="en-US"/>
               <a:t>다섯째 수준</a:t>
             </a:r>
+            <a:endParaRPr lang="ko-KR" altLang="en-US"/>
           </a:p>
         </p:txBody>
       </p:sp>
@@ -2233,6 +2360,7 @@
               <a:rPr lang="ko-KR" altLang="en-US"/>
               <a:t>마스터 텍스트 스타일을 편집합니다</a:t>
             </a:r>
+            <a:endParaRPr lang="ko-KR" altLang="en-US"/>
           </a:p>
         </p:txBody>
       </p:sp>
@@ -2263,6 +2391,7 @@
               <a:rPr lang="ko-KR" altLang="en-US"/>
               <a:t>마스터 텍스트 스타일을 편집합니다</a:t>
             </a:r>
+            <a:endParaRPr lang="ko-KR" altLang="en-US"/>
           </a:p>
           <a:p>
             <a:pPr lvl="1">
@@ -2272,6 +2401,7 @@
               <a:rPr lang="ko-KR" altLang="en-US"/>
               <a:t>둘째 수준</a:t>
             </a:r>
+            <a:endParaRPr lang="ko-KR" altLang="en-US"/>
           </a:p>
           <a:p>
             <a:pPr lvl="2">
@@ -2281,6 +2411,7 @@
               <a:rPr lang="ko-KR" altLang="en-US"/>
               <a:t>셋째 수준</a:t>
             </a:r>
+            <a:endParaRPr lang="ko-KR" altLang="en-US"/>
           </a:p>
           <a:p>
             <a:pPr lvl="3">
@@ -2290,6 +2421,7 @@
               <a:rPr lang="ko-KR" altLang="en-US"/>
               <a:t>넷째 수준</a:t>
             </a:r>
+            <a:endParaRPr lang="ko-KR" altLang="en-US"/>
           </a:p>
           <a:p>
             <a:pPr lvl="4">
@@ -2299,6 +2431,7 @@
               <a:rPr lang="ko-KR" altLang="en-US"/>
               <a:t>다섯째 수준</a:t>
             </a:r>
+            <a:endParaRPr lang="ko-KR" altLang="en-US"/>
           </a:p>
         </p:txBody>
       </p:sp>
@@ -2361,6 +2494,16 @@
             <a:pPr lvl="0">
               <a:defRPr lang="ko-KR" altLang="en-US"/>
             </a:pPr>
+            <a:r>
+              <a:rPr lang="ko-KR" altLang="en-US">
+                <a:solidFill>
+                  <a:prstClr val="black">
+                    <a:tint val="75000"/>
+                  </a:prstClr>
+                </a:solidFill>
+              </a:rPr>
+              <a:t/>
+            </a:r>
             <a:endParaRPr lang="ko-KR" altLang="en-US">
               <a:solidFill>
                 <a:prstClr val="black">
@@ -2417,12 +2560,12 @@
   <p:clrMapOvr>
     <a:masterClrMapping/>
   </p:clrMapOvr>
-  <p:transition/>
+  <p:transition xmlns:mc="http://schemas.openxmlformats.org/markup-compatibility/2006" xmlns:hp="http://schemas.haansoft.com/office/presentation/8.0" mc:Ignorable="hp" hp:hslDur="500"/>
 </p:sldLayout>
 </file>
 
 <file path=ppt/slideLayouts/slideLayout6.xml><?xml version="1.0" encoding="utf-8"?>
-<p:sldLayout xmlns:a="http://schemas.openxmlformats.org/drawingml/2006/main" xmlns:r="http://schemas.openxmlformats.org/officeDocument/2006/relationships" xmlns:p="http://schemas.openxmlformats.org/presentationml/2006/main" matchingName="제목만" type="titleOnly" preserve="1">
+<p:sldLayout xmlns:r="http://schemas.openxmlformats.org/officeDocument/2006/relationships" xmlns:c="http://schemas.openxmlformats.org/drawingml/2006/chart" xmlns:a="http://schemas.openxmlformats.org/drawingml/2006/main" xmlns:dgm="http://schemas.openxmlformats.org/drawingml/2006/diagram" xmlns:dsp="http://schemas.microsoft.com/office/drawing/2008/diagram" xmlns:p="http://schemas.openxmlformats.org/presentationml/2006/main" showMasterPhAnim="1" matchingName="제목만" type="titleOnly" preserve="1">
   <p:cSld name="제목만">
     <p:spTree>
       <p:nvGrpSpPr>
@@ -2445,7 +2588,7 @@
             <a:spLocks noGrp="1"/>
           </p:cNvSpPr>
           <p:nvPr>
-            <p:ph type="title"/>
+            <p:ph type="title" idx="0"/>
           </p:nvPr>
         </p:nvSpPr>
         <p:spPr/>
@@ -2460,6 +2603,7 @@
               <a:rPr lang="ko-KR" altLang="en-US"/>
               <a:t>마스터 제목 스타일 편집</a:t>
             </a:r>
+            <a:endParaRPr lang="ko-KR" altLang="en-US"/>
           </a:p>
         </p:txBody>
       </p:sp>
@@ -2522,6 +2666,16 @@
             <a:pPr lvl="0">
               <a:defRPr lang="ko-KR" altLang="en-US"/>
             </a:pPr>
+            <a:r>
+              <a:rPr lang="ko-KR" altLang="en-US">
+                <a:solidFill>
+                  <a:prstClr val="black">
+                    <a:tint val="75000"/>
+                  </a:prstClr>
+                </a:solidFill>
+              </a:rPr>
+              <a:t/>
+            </a:r>
             <a:endParaRPr lang="ko-KR" altLang="en-US">
               <a:solidFill>
                 <a:prstClr val="black">
@@ -2578,12 +2732,12 @@
   <p:clrMapOvr>
     <a:masterClrMapping/>
   </p:clrMapOvr>
-  <p:transition/>
+  <p:transition xmlns:mc="http://schemas.openxmlformats.org/markup-compatibility/2006" xmlns:hp="http://schemas.haansoft.com/office/presentation/8.0" mc:Ignorable="hp" hp:hslDur="500"/>
 </p:sldLayout>
 </file>
 
 <file path=ppt/slideLayouts/slideLayout7.xml><?xml version="1.0" encoding="utf-8"?>
-<p:sldLayout xmlns:a="http://schemas.openxmlformats.org/drawingml/2006/main" xmlns:r="http://schemas.openxmlformats.org/officeDocument/2006/relationships" xmlns:p="http://schemas.openxmlformats.org/presentationml/2006/main" matchingName="빈 화면" type="blank" preserve="1">
+<p:sldLayout xmlns:r="http://schemas.openxmlformats.org/officeDocument/2006/relationships" xmlns:c="http://schemas.openxmlformats.org/drawingml/2006/chart" xmlns:a="http://schemas.openxmlformats.org/drawingml/2006/main" xmlns:dgm="http://schemas.openxmlformats.org/drawingml/2006/diagram" xmlns:dsp="http://schemas.microsoft.com/office/drawing/2008/diagram" xmlns:p="http://schemas.openxmlformats.org/presentationml/2006/main" showMasterPhAnim="1" matchingName="빈 화면" type="blank" preserve="1">
   <p:cSld name="빈 화면">
     <p:spTree>
       <p:nvGrpSpPr>
@@ -2658,6 +2812,16 @@
             <a:pPr lvl="0">
               <a:defRPr lang="ko-KR" altLang="en-US"/>
             </a:pPr>
+            <a:r>
+              <a:rPr lang="ko-KR" altLang="en-US">
+                <a:solidFill>
+                  <a:prstClr val="black">
+                    <a:tint val="75000"/>
+                  </a:prstClr>
+                </a:solidFill>
+              </a:rPr>
+              <a:t/>
+            </a:r>
             <a:endParaRPr lang="ko-KR" altLang="en-US">
               <a:solidFill>
                 <a:prstClr val="black">
@@ -2714,12 +2878,12 @@
   <p:clrMapOvr>
     <a:masterClrMapping/>
   </p:clrMapOvr>
-  <p:transition/>
+  <p:transition xmlns:mc="http://schemas.openxmlformats.org/markup-compatibility/2006" xmlns:hp="http://schemas.haansoft.com/office/presentation/8.0" mc:Ignorable="hp" hp:hslDur="500"/>
 </p:sldLayout>
 </file>
 
 <file path=ppt/slideLayouts/slideLayout8.xml><?xml version="1.0" encoding="utf-8"?>
-<p:sldLayout xmlns:a="http://schemas.openxmlformats.org/drawingml/2006/main" xmlns:r="http://schemas.openxmlformats.org/officeDocument/2006/relationships" xmlns:p="http://schemas.openxmlformats.org/presentationml/2006/main" matchingName="내용 및 설명" type="objTx" preserve="1">
+<p:sldLayout xmlns:r="http://schemas.openxmlformats.org/officeDocument/2006/relationships" xmlns:c="http://schemas.openxmlformats.org/drawingml/2006/chart" xmlns:a="http://schemas.openxmlformats.org/drawingml/2006/main" xmlns:dgm="http://schemas.openxmlformats.org/drawingml/2006/diagram" xmlns:dsp="http://schemas.microsoft.com/office/drawing/2008/diagram" xmlns:p="http://schemas.openxmlformats.org/presentationml/2006/main" showMasterPhAnim="1" matchingName="내용 및 설명" type="objTx" preserve="1">
   <p:cSld name="내용 및 설명">
     <p:spTree>
       <p:nvGrpSpPr>
@@ -2742,7 +2906,7 @@
             <a:spLocks noGrp="1"/>
           </p:cNvSpPr>
           <p:nvPr>
-            <p:ph type="title"/>
+            <p:ph type="title" idx="0"/>
           </p:nvPr>
         </p:nvSpPr>
         <p:spPr>
@@ -2766,6 +2930,7 @@
               <a:rPr lang="ko-KR" altLang="en-US"/>
               <a:t>마스터 제목 스타일 편집</a:t>
             </a:r>
+            <a:endParaRPr lang="ko-KR" altLang="en-US"/>
           </a:p>
         </p:txBody>
       </p:sp>
@@ -2824,6 +2989,7 @@
               <a:rPr lang="ko-KR" altLang="en-US"/>
               <a:t>마스터 텍스트 스타일을 편집합니다</a:t>
             </a:r>
+            <a:endParaRPr lang="ko-KR" altLang="en-US"/>
           </a:p>
           <a:p>
             <a:pPr lvl="1">
@@ -2833,6 +2999,7 @@
               <a:rPr lang="ko-KR" altLang="en-US"/>
               <a:t>둘째 수준</a:t>
             </a:r>
+            <a:endParaRPr lang="ko-KR" altLang="en-US"/>
           </a:p>
           <a:p>
             <a:pPr lvl="2">
@@ -2842,6 +3009,7 @@
               <a:rPr lang="ko-KR" altLang="en-US"/>
               <a:t>셋째 수준</a:t>
             </a:r>
+            <a:endParaRPr lang="ko-KR" altLang="en-US"/>
           </a:p>
           <a:p>
             <a:pPr lvl="3">
@@ -2851,6 +3019,7 @@
               <a:rPr lang="ko-KR" altLang="en-US"/>
               <a:t>넷째 수준</a:t>
             </a:r>
+            <a:endParaRPr lang="ko-KR" altLang="en-US"/>
           </a:p>
           <a:p>
             <a:pPr lvl="4">
@@ -2860,6 +3029,7 @@
               <a:rPr lang="ko-KR" altLang="en-US"/>
               <a:t>다섯째 수준</a:t>
             </a:r>
+            <a:endParaRPr lang="ko-KR" altLang="en-US"/>
           </a:p>
         </p:txBody>
       </p:sp>
@@ -2927,6 +3097,7 @@
               <a:rPr lang="ko-KR" altLang="en-US"/>
               <a:t>마스터 텍스트 스타일을 편집합니다</a:t>
             </a:r>
+            <a:endParaRPr lang="ko-KR" altLang="en-US"/>
           </a:p>
         </p:txBody>
       </p:sp>
@@ -2989,6 +3160,16 @@
             <a:pPr lvl="0">
               <a:defRPr lang="ko-KR" altLang="en-US"/>
             </a:pPr>
+            <a:r>
+              <a:rPr lang="ko-KR" altLang="en-US">
+                <a:solidFill>
+                  <a:prstClr val="black">
+                    <a:tint val="75000"/>
+                  </a:prstClr>
+                </a:solidFill>
+              </a:rPr>
+              <a:t/>
+            </a:r>
             <a:endParaRPr lang="ko-KR" altLang="en-US">
               <a:solidFill>
                 <a:prstClr val="black">
@@ -3045,12 +3226,12 @@
   <p:clrMapOvr>
     <a:masterClrMapping/>
   </p:clrMapOvr>
-  <p:transition/>
+  <p:transition xmlns:mc="http://schemas.openxmlformats.org/markup-compatibility/2006" xmlns:hp="http://schemas.haansoft.com/office/presentation/8.0" mc:Ignorable="hp" hp:hslDur="500"/>
 </p:sldLayout>
 </file>
 
 <file path=ppt/slideLayouts/slideLayout9.xml><?xml version="1.0" encoding="utf-8"?>
-<p:sldLayout xmlns:a="http://schemas.openxmlformats.org/drawingml/2006/main" xmlns:r="http://schemas.openxmlformats.org/officeDocument/2006/relationships" xmlns:p="http://schemas.openxmlformats.org/presentationml/2006/main" matchingName="그림 및 설명" type="picTx" preserve="1">
+<p:sldLayout xmlns:r="http://schemas.openxmlformats.org/officeDocument/2006/relationships" xmlns:c="http://schemas.openxmlformats.org/drawingml/2006/chart" xmlns:a="http://schemas.openxmlformats.org/drawingml/2006/main" xmlns:dgm="http://schemas.openxmlformats.org/drawingml/2006/diagram" xmlns:dsp="http://schemas.microsoft.com/office/drawing/2008/diagram" xmlns:p="http://schemas.openxmlformats.org/presentationml/2006/main" showMasterPhAnim="1" matchingName="그림 및 설명" type="picTx" preserve="1">
   <p:cSld name="그림 및 설명">
     <p:spTree>
       <p:nvGrpSpPr>
@@ -3073,7 +3254,7 @@
             <a:spLocks noGrp="1"/>
           </p:cNvSpPr>
           <p:nvPr>
-            <p:ph type="title"/>
+            <p:ph type="title" idx="0"/>
           </p:nvPr>
         </p:nvSpPr>
         <p:spPr>
@@ -3097,6 +3278,7 @@
               <a:rPr lang="ko-KR" altLang="en-US"/>
               <a:t>마스터 제목 스타일 편집</a:t>
             </a:r>
+            <a:endParaRPr lang="ko-KR" altLang="en-US"/>
           </a:p>
         </p:txBody>
       </p:sp>
@@ -3160,6 +3342,10 @@
             <a:pPr lvl="0">
               <a:defRPr lang="ko-KR" altLang="en-US"/>
             </a:pPr>
+            <a:r>
+              <a:rPr lang="ko-KR" altLang="en-US"/>
+              <a:t/>
+            </a:r>
             <a:endParaRPr lang="ko-KR" altLang="en-US"/>
           </a:p>
         </p:txBody>
@@ -3228,6 +3414,7 @@
               <a:rPr lang="ko-KR" altLang="en-US"/>
               <a:t>마스터 텍스트 스타일을 편집합니다</a:t>
             </a:r>
+            <a:endParaRPr lang="ko-KR" altLang="en-US"/>
           </a:p>
         </p:txBody>
       </p:sp>
@@ -3290,6 +3477,16 @@
             <a:pPr lvl="0">
               <a:defRPr lang="ko-KR" altLang="en-US"/>
             </a:pPr>
+            <a:r>
+              <a:rPr lang="ko-KR" altLang="en-US">
+                <a:solidFill>
+                  <a:prstClr val="black">
+                    <a:tint val="75000"/>
+                  </a:prstClr>
+                </a:solidFill>
+              </a:rPr>
+              <a:t/>
+            </a:r>
             <a:endParaRPr lang="ko-KR" altLang="en-US">
               <a:solidFill>
                 <a:prstClr val="black">
@@ -3346,7 +3543,7 @@
   <p:clrMapOvr>
     <a:masterClrMapping/>
   </p:clrMapOvr>
-  <p:transition/>
+  <p:transition xmlns:mc="http://schemas.openxmlformats.org/markup-compatibility/2006" xmlns:hp="http://schemas.haansoft.com/office/presentation/8.0" mc:Ignorable="hp" hp:hslDur="500"/>
 </p:sldLayout>
 </file>
 
@@ -4396,6 +4593,1856 @@
 </file>
 
 <file path=ppt/slides/slide10.xml><?xml version="1.0" encoding="utf-8"?>
+<p:sld xmlns:r="http://schemas.openxmlformats.org/officeDocument/2006/relationships" xmlns:c="http://schemas.openxmlformats.org/drawingml/2006/chart" xmlns:a="http://schemas.openxmlformats.org/drawingml/2006/main" xmlns:dgm="http://schemas.openxmlformats.org/drawingml/2006/diagram" xmlns:dsp="http://schemas.microsoft.com/office/drawing/2008/diagram" xmlns:p="http://schemas.openxmlformats.org/presentationml/2006/main">
+  <p:cSld>
+    <p:bg>
+      <p:bgPr shadeToTitle="0">
+        <a:solidFill>
+          <a:srgbClr val="dfe7f2"/>
+        </a:solidFill>
+      </p:bgPr>
+    </p:bg>
+    <p:spTree>
+      <p:nvGrpSpPr>
+        <p:cNvPr id="1" name=""/>
+        <p:cNvGrpSpPr/>
+        <p:nvPr/>
+      </p:nvGrpSpPr>
+      <p:grpSpPr>
+        <a:xfrm>
+          <a:off x="0" y="0"/>
+          <a:ext cx="0" cy="0"/>
+          <a:chOff x="0" y="0"/>
+          <a:chExt cx="0" cy="0"/>
+        </a:xfrm>
+      </p:grpSpPr>
+      <p:sp>
+        <p:nvSpPr>
+          <p:cNvPr id="13" name="사각형: 둥근 모서리 12"/>
+          <p:cNvSpPr/>
+          <p:nvPr/>
+        </p:nvSpPr>
+        <p:spPr>
+          <a:xfrm>
+            <a:off x="513774" y="340293"/>
+            <a:ext cx="10917316" cy="6219741"/>
+          </a:xfrm>
+          <a:prstGeom prst="roundRect">
+            <a:avLst>
+              <a:gd name="adj" fmla="val 2491"/>
+            </a:avLst>
+          </a:prstGeom>
+          <a:solidFill>
+            <a:schemeClr val="bg1"/>
+          </a:solidFill>
+          <a:ln>
+            <a:noFill/>
+          </a:ln>
+          <a:effectLst>
+            <a:outerShdw blurRad="190500" dist="241300" dir="2700000" sx="98000" sy="98000" algn="tl" rotWithShape="0">
+              <a:srgbClr val="9aa6c0"/>
+            </a:outerShdw>
+          </a:effectLst>
+        </p:spPr>
+        <p:style>
+          <a:lnRef idx="2">
+            <a:schemeClr val="accent1">
+              <a:shade val="50000"/>
+            </a:schemeClr>
+          </a:lnRef>
+          <a:fillRef idx="1">
+            <a:schemeClr val="accent1"/>
+          </a:fillRef>
+          <a:effectRef idx="0">
+            <a:schemeClr val="accent1"/>
+          </a:effectRef>
+          <a:fontRef idx="minor">
+            <a:schemeClr val="lt1"/>
+          </a:fontRef>
+        </p:style>
+        <p:txBody>
+          <a:bodyPr anchor="ctr"/>
+          <a:lstStyle/>
+          <a:p>
+            <a:pPr algn="ctr" latinLnBrk="0">
+              <a:defRPr lang="ko-KR"/>
+            </a:pPr>
+            <a:endParaRPr lang="en-US" altLang="ko-KR" sz="2000" b="1" i="1" kern="0">
+              <a:solidFill>
+                <a:srgbClr val="9aa6c0"/>
+              </a:solidFill>
+            </a:endParaRPr>
+          </a:p>
+        </p:txBody>
+      </p:sp>
+      <p:sp>
+        <p:nvSpPr>
+          <p:cNvPr id="174" name="TextBox 173"/>
+          <p:cNvSpPr txBox="1"/>
+          <p:nvPr/>
+        </p:nvSpPr>
+        <p:spPr>
+          <a:xfrm>
+            <a:off x="852799" y="1572960"/>
+            <a:ext cx="10306691" cy="358710"/>
+          </a:xfrm>
+          <a:prstGeom prst="rect">
+            <a:avLst/>
+          </a:prstGeom>
+        </p:spPr>
+        <p:txBody>
+          <a:bodyPr wrap="square">
+            <a:spAutoFit/>
+          </a:bodyPr>
+          <a:lstStyle/>
+          <a:p>
+            <a:pPr>
+              <a:defRPr lang="ko-KR" altLang="en-US"/>
+            </a:pPr>
+            <a:endParaRPr lang="ko-KR" altLang="en-US"/>
+          </a:p>
+        </p:txBody>
+      </p:sp>
+      <p:sp>
+        <p:nvSpPr>
+          <p:cNvPr id="176" name="TextBox 175"/>
+          <p:cNvSpPr txBox="1"/>
+          <p:nvPr/>
+        </p:nvSpPr>
+        <p:spPr>
+          <a:xfrm>
+            <a:off x="763781" y="1510647"/>
+            <a:ext cx="10414759" cy="363873"/>
+          </a:xfrm>
+          <a:prstGeom prst="rect">
+            <a:avLst/>
+          </a:prstGeom>
+        </p:spPr>
+        <p:txBody>
+          <a:bodyPr wrap="square">
+            <a:spAutoFit/>
+          </a:bodyPr>
+          <a:lstStyle/>
+          <a:p>
+            <a:pPr>
+              <a:defRPr lang="ko-KR" altLang="en-US"/>
+            </a:pPr>
+            <a:endParaRPr lang="ko-KR" altLang="en-US"/>
+          </a:p>
+        </p:txBody>
+      </p:sp>
+      <p:grpSp>
+        <p:nvGrpSpPr>
+          <p:cNvPr id="2" name="그룹 86"/>
+          <p:cNvGrpSpPr/>
+          <p:nvPr/>
+        </p:nvGrpSpPr>
+        <p:grpSpPr>
+          <a:xfrm rot="0">
+            <a:off x="674608" y="497611"/>
+            <a:ext cx="5507117" cy="568172"/>
+            <a:chOff x="588883" y="392836"/>
+            <a:chExt cx="5507117" cy="568172"/>
+          </a:xfrm>
+        </p:grpSpPr>
+        <p:sp>
+          <p:nvSpPr>
+            <p:cNvPr id="70" name="사각형: 둥근 모서리 4"/>
+            <p:cNvSpPr/>
+            <p:nvPr/>
+          </p:nvSpPr>
+          <p:spPr>
+            <a:xfrm>
+              <a:off x="588883" y="392837"/>
+              <a:ext cx="4678532" cy="568171"/>
+            </a:xfrm>
+            <a:prstGeom prst="roundRect">
+              <a:avLst>
+                <a:gd name="adj" fmla="val 16667"/>
+              </a:avLst>
+            </a:prstGeom>
+            <a:solidFill>
+              <a:schemeClr val="bg1"/>
+            </a:solidFill>
+            <a:ln>
+              <a:noFill/>
+            </a:ln>
+            <a:effectLst>
+              <a:outerShdw blurRad="190500" dist="101600" dir="2700000" sx="98000" sy="98000" algn="tl" rotWithShape="0">
+                <a:srgbClr val="9aa6c0"/>
+              </a:outerShdw>
+            </a:effectLst>
+          </p:spPr>
+          <p:style>
+            <a:lnRef idx="2">
+              <a:schemeClr val="accent1">
+                <a:shade val="50000"/>
+              </a:schemeClr>
+            </a:lnRef>
+            <a:fillRef idx="1">
+              <a:schemeClr val="accent1"/>
+            </a:fillRef>
+            <a:effectRef idx="0">
+              <a:schemeClr val="accent1"/>
+            </a:effectRef>
+            <a:fontRef idx="minor">
+              <a:schemeClr val="lt1"/>
+            </a:fontRef>
+          </p:style>
+          <p:txBody>
+            <a:bodyPr anchor="ctr"/>
+            <a:lstStyle/>
+            <a:p>
+              <a:pPr algn="ctr" latinLnBrk="0">
+                <a:defRPr lang="ko-KR"/>
+              </a:pPr>
+              <a:r>
+                <a:rPr lang="ko-KR" altLang="en-US" sz="2000" b="1" i="1" kern="0">
+                  <a:solidFill>
+                    <a:srgbClr val="9aa6c0"/>
+                  </a:solidFill>
+                </a:rPr>
+                <a:t>내정보, 주변검색 서비스</a:t>
+              </a:r>
+              <a:endParaRPr lang="ko-KR" altLang="en-US" sz="2000" b="1" i="1" kern="0">
+                <a:solidFill>
+                  <a:srgbClr val="9aa6c0"/>
+                </a:solidFill>
+              </a:endParaRPr>
+            </a:p>
+          </p:txBody>
+        </p:sp>
+        <p:sp>
+          <p:nvSpPr>
+            <p:cNvPr id="71" name="사각형: 둥근 모서리 6"/>
+            <p:cNvSpPr/>
+            <p:nvPr/>
+          </p:nvSpPr>
+          <p:spPr>
+            <a:xfrm>
+              <a:off x="5419816" y="392836"/>
+              <a:ext cx="676184" cy="568171"/>
+            </a:xfrm>
+            <a:prstGeom prst="roundRect">
+              <a:avLst>
+                <a:gd name="adj" fmla="val 13790"/>
+              </a:avLst>
+            </a:prstGeom>
+            <a:solidFill>
+              <a:srgbClr val="9aa6c0"/>
+            </a:solidFill>
+            <a:ln>
+              <a:noFill/>
+            </a:ln>
+            <a:effectLst>
+              <a:outerShdw blurRad="190500" dist="50800" dir="2700000" sx="98000" sy="98000" algn="tl" rotWithShape="0">
+                <a:srgbClr val="9aa6c0"/>
+              </a:outerShdw>
+            </a:effectLst>
+          </p:spPr>
+          <p:style>
+            <a:lnRef idx="2">
+              <a:schemeClr val="accent1">
+                <a:shade val="50000"/>
+              </a:schemeClr>
+            </a:lnRef>
+            <a:fillRef idx="1">
+              <a:schemeClr val="accent1"/>
+            </a:fillRef>
+            <a:effectRef idx="0">
+              <a:schemeClr val="accent1"/>
+            </a:effectRef>
+            <a:fontRef idx="minor">
+              <a:schemeClr val="lt1"/>
+            </a:fontRef>
+          </p:style>
+          <p:txBody>
+            <a:bodyPr anchor="ctr"/>
+            <a:lstStyle/>
+            <a:p>
+              <a:pPr algn="ctr">
+                <a:defRPr lang="ko-KR" altLang="en-US"/>
+              </a:pPr>
+              <a:endParaRPr lang="ko-KR" altLang="en-US">
+                <a:solidFill>
+                  <a:prstClr val="white"/>
+                </a:solidFill>
+              </a:endParaRPr>
+            </a:p>
+          </p:txBody>
+        </p:sp>
+        <p:sp>
+          <p:nvSpPr>
+            <p:cNvPr id="72" name="원형: 비어 있음 8"/>
+            <p:cNvSpPr/>
+            <p:nvPr/>
+          </p:nvSpPr>
+          <p:spPr>
+            <a:xfrm>
+              <a:off x="5638844" y="549275"/>
+              <a:ext cx="209550" cy="209550"/>
+            </a:xfrm>
+            <a:prstGeom prst="donut">
+              <a:avLst>
+                <a:gd name="adj" fmla="val 14764"/>
+              </a:avLst>
+            </a:prstGeom>
+            <a:solidFill>
+              <a:schemeClr val="bg1"/>
+            </a:solidFill>
+            <a:ln>
+              <a:noFill/>
+            </a:ln>
+          </p:spPr>
+          <p:style>
+            <a:lnRef idx="2">
+              <a:schemeClr val="accent1">
+                <a:shade val="50000"/>
+              </a:schemeClr>
+            </a:lnRef>
+            <a:fillRef idx="1">
+              <a:schemeClr val="accent1"/>
+            </a:fillRef>
+            <a:effectRef idx="0">
+              <a:schemeClr val="accent1"/>
+            </a:effectRef>
+            <a:fontRef idx="minor">
+              <a:schemeClr val="lt1"/>
+            </a:fontRef>
+          </p:style>
+          <p:txBody>
+            <a:bodyPr anchor="ctr"/>
+            <a:lstStyle/>
+            <a:p>
+              <a:pPr algn="ctr">
+                <a:defRPr lang="ko-KR" altLang="en-US"/>
+              </a:pPr>
+              <a:endParaRPr lang="ko-KR" altLang="en-US">
+                <a:solidFill>
+                  <a:prstClr val="black"/>
+                </a:solidFill>
+              </a:endParaRPr>
+            </a:p>
+          </p:txBody>
+        </p:sp>
+        <p:sp>
+          <p:nvSpPr>
+            <p:cNvPr id="73" name="사각형: 둥근 모서리 10"/>
+            <p:cNvSpPr/>
+            <p:nvPr/>
+          </p:nvSpPr>
+          <p:spPr>
+            <a:xfrm rot="18900000">
+              <a:off x="5837537" y="691587"/>
+              <a:ext cx="36000" cy="144000"/>
+            </a:xfrm>
+            <a:prstGeom prst="roundRect">
+              <a:avLst>
+                <a:gd name="adj" fmla="val 50000"/>
+              </a:avLst>
+            </a:prstGeom>
+            <a:solidFill>
+              <a:schemeClr val="bg1"/>
+            </a:solidFill>
+            <a:ln>
+              <a:noFill/>
+            </a:ln>
+          </p:spPr>
+          <p:style>
+            <a:lnRef idx="2">
+              <a:schemeClr val="accent1">
+                <a:shade val="50000"/>
+              </a:schemeClr>
+            </a:lnRef>
+            <a:fillRef idx="1">
+              <a:schemeClr val="accent1"/>
+            </a:fillRef>
+            <a:effectRef idx="0">
+              <a:schemeClr val="accent1"/>
+            </a:effectRef>
+            <a:fontRef idx="minor">
+              <a:schemeClr val="lt1"/>
+            </a:fontRef>
+          </p:style>
+          <p:txBody>
+            <a:bodyPr anchor="ctr"/>
+            <a:lstStyle/>
+            <a:p>
+              <a:pPr algn="ctr">
+                <a:defRPr lang="ko-KR" altLang="en-US"/>
+              </a:pPr>
+              <a:endParaRPr lang="ko-KR" altLang="en-US">
+                <a:solidFill>
+                  <a:prstClr val="black"/>
+                </a:solidFill>
+              </a:endParaRPr>
+            </a:p>
+          </p:txBody>
+        </p:sp>
+      </p:grpSp>
+      <p:sp>
+        <p:nvSpPr>
+          <p:cNvPr id="74" name="직사각형 73"/>
+          <p:cNvSpPr/>
+          <p:nvPr/>
+        </p:nvSpPr>
+        <p:spPr>
+          <a:xfrm>
+            <a:off x="1226567" y="2877479"/>
+            <a:ext cx="350773" cy="263866"/>
+          </a:xfrm>
+          <a:prstGeom prst="rect">
+            <a:avLst/>
+          </a:prstGeom>
+        </p:spPr>
+        <p:txBody>
+          <a:bodyPr wrap="square">
+            <a:spAutoFit/>
+          </a:bodyPr>
+          <a:lstStyle/>
+          <a:p>
+            <a:pPr lvl="0">
+              <a:defRPr lang="ko-KR" altLang="en-US"/>
+            </a:pPr>
+            <a:r>
+              <a:rPr lang="en-US" altLang="ko-KR" sz="1200" b="1">
+                <a:solidFill>
+                  <a:prstClr val="white"/>
+                </a:solidFill>
+              </a:rPr>
+              <a:t>A</a:t>
+            </a:r>
+            <a:r>
+              <a:rPr lang="ko-KR" altLang="en-US" sz="1200" b="1">
+                <a:solidFill>
+                  <a:prstClr val="white"/>
+                </a:solidFill>
+              </a:rPr>
+              <a:t> </a:t>
+            </a:r>
+            <a:endParaRPr lang="ko-KR" altLang="en-US" sz="1200" b="1">
+              <a:solidFill>
+                <a:prstClr val="black"/>
+              </a:solidFill>
+            </a:endParaRPr>
+          </a:p>
+        </p:txBody>
+      </p:sp>
+      <p:sp>
+        <p:nvSpPr>
+          <p:cNvPr id="75" name="직사각형 74"/>
+          <p:cNvSpPr/>
+          <p:nvPr/>
+        </p:nvSpPr>
+        <p:spPr>
+          <a:xfrm>
+            <a:off x="4664146" y="2877003"/>
+            <a:ext cx="351719" cy="264342"/>
+          </a:xfrm>
+          <a:prstGeom prst="rect">
+            <a:avLst/>
+          </a:prstGeom>
+        </p:spPr>
+        <p:txBody>
+          <a:bodyPr wrap="square">
+            <a:spAutoFit/>
+          </a:bodyPr>
+          <a:lstStyle/>
+          <a:p>
+            <a:pPr lvl="0">
+              <a:defRPr lang="ko-KR" altLang="en-US"/>
+            </a:pPr>
+            <a:r>
+              <a:rPr lang="en-US" altLang="ko-KR" sz="1200" b="1">
+                <a:solidFill>
+                  <a:prstClr val="white"/>
+                </a:solidFill>
+              </a:rPr>
+              <a:t>A</a:t>
+            </a:r>
+            <a:r>
+              <a:rPr lang="ko-KR" altLang="en-US" sz="1200" b="1">
+                <a:solidFill>
+                  <a:prstClr val="white"/>
+                </a:solidFill>
+              </a:rPr>
+              <a:t> </a:t>
+            </a:r>
+            <a:endParaRPr lang="ko-KR" altLang="en-US" sz="1200" b="1">
+              <a:solidFill>
+                <a:prstClr val="black"/>
+              </a:solidFill>
+            </a:endParaRPr>
+          </a:p>
+        </p:txBody>
+      </p:sp>
+      <p:grpSp>
+        <p:nvGrpSpPr>
+          <p:cNvPr id="3" name="그룹 130"/>
+          <p:cNvGrpSpPr/>
+          <p:nvPr/>
+        </p:nvGrpSpPr>
+        <p:grpSpPr>
+          <a:xfrm rot="0">
+            <a:off x="6997269" y="1698900"/>
+            <a:ext cx="4167889" cy="2798323"/>
+            <a:chOff x="8092199" y="2867001"/>
+            <a:chExt cx="2859314" cy="1596571"/>
+          </a:xfrm>
+        </p:grpSpPr>
+        <p:sp>
+          <p:nvSpPr>
+            <p:cNvPr id="77" name="대각선 방향의 모서리가 둥근 사각형 31"/>
+            <p:cNvSpPr/>
+            <p:nvPr/>
+          </p:nvSpPr>
+          <p:spPr>
+            <a:xfrm flipH="1">
+              <a:off x="8092199" y="2867001"/>
+              <a:ext cx="2859314" cy="1596571"/>
+            </a:xfrm>
+            <a:prstGeom prst="round2DiagRect">
+              <a:avLst>
+                <a:gd name="adj1" fmla="val 23031"/>
+                <a:gd name="adj2" fmla="val 0"/>
+              </a:avLst>
+            </a:prstGeom>
+            <a:solidFill>
+              <a:schemeClr val="bg1"/>
+            </a:solidFill>
+            <a:ln>
+              <a:solidFill>
+                <a:srgbClr val="9aa6c0"/>
+              </a:solidFill>
+            </a:ln>
+            <a:effectLst/>
+          </p:spPr>
+          <p:style>
+            <a:lnRef idx="2">
+              <a:schemeClr val="accent1">
+                <a:shade val="50000"/>
+              </a:schemeClr>
+            </a:lnRef>
+            <a:fillRef idx="1">
+              <a:schemeClr val="accent1"/>
+            </a:fillRef>
+            <a:effectRef idx="0">
+              <a:schemeClr val="accent1"/>
+            </a:effectRef>
+            <a:fontRef idx="minor">
+              <a:schemeClr val="lt1"/>
+            </a:fontRef>
+          </p:style>
+          <p:txBody>
+            <a:bodyPr anchor="ctr"/>
+            <a:lstStyle/>
+            <a:p>
+              <a:pPr algn="ctr">
+                <a:defRPr lang="ko-KR" altLang="en-US"/>
+              </a:pPr>
+              <a:endParaRPr lang="ko-KR" altLang="en-US">
+                <a:solidFill>
+                  <a:prstClr val="white"/>
+                </a:solidFill>
+              </a:endParaRPr>
+            </a:p>
+          </p:txBody>
+        </p:sp>
+        <p:sp>
+          <p:nvSpPr>
+            <p:cNvPr id="78" name="직각 삼각형 77"/>
+            <p:cNvSpPr/>
+            <p:nvPr/>
+          </p:nvSpPr>
+          <p:spPr>
+            <a:xfrm rot="5400000">
+              <a:off x="8092200" y="2867002"/>
+              <a:ext cx="468085" cy="468085"/>
+            </a:xfrm>
+            <a:prstGeom prst="rtTriangle">
+              <a:avLst/>
+            </a:prstGeom>
+            <a:solidFill>
+              <a:srgbClr val="9aa6c0"/>
+            </a:solidFill>
+            <a:ln>
+              <a:noFill/>
+            </a:ln>
+          </p:spPr>
+          <p:style>
+            <a:lnRef idx="2">
+              <a:schemeClr val="accent1">
+                <a:shade val="50000"/>
+              </a:schemeClr>
+            </a:lnRef>
+            <a:fillRef idx="1">
+              <a:schemeClr val="accent1"/>
+            </a:fillRef>
+            <a:effectRef idx="0">
+              <a:schemeClr val="accent1"/>
+            </a:effectRef>
+            <a:fontRef idx="minor">
+              <a:schemeClr val="lt1"/>
+            </a:fontRef>
+          </p:style>
+          <p:txBody>
+            <a:bodyPr anchor="ctr"/>
+            <a:lstStyle/>
+            <a:p>
+              <a:pPr algn="ctr">
+                <a:defRPr lang="ko-KR" altLang="en-US"/>
+              </a:pPr>
+              <a:endParaRPr lang="ko-KR" altLang="en-US">
+                <a:solidFill>
+                  <a:prstClr val="white"/>
+                </a:solidFill>
+              </a:endParaRPr>
+            </a:p>
+          </p:txBody>
+        </p:sp>
+        <p:sp>
+          <p:nvSpPr>
+            <p:cNvPr id="79" name="직사각형 78"/>
+            <p:cNvSpPr/>
+            <p:nvPr/>
+          </p:nvSpPr>
+          <p:spPr>
+            <a:xfrm>
+              <a:off x="8101725" y="2876525"/>
+              <a:ext cx="336660" cy="150453"/>
+            </a:xfrm>
+            <a:prstGeom prst="rect">
+              <a:avLst/>
+            </a:prstGeom>
+          </p:spPr>
+          <p:txBody>
+            <a:bodyPr wrap="square">
+              <a:spAutoFit/>
+            </a:bodyPr>
+            <a:lstStyle/>
+            <a:p>
+              <a:pPr lvl="0">
+                <a:defRPr lang="ko-KR" altLang="en-US"/>
+              </a:pPr>
+              <a:r>
+                <a:rPr lang="en-US" altLang="ko-KR" sz="1200" b="1">
+                  <a:solidFill>
+                    <a:prstClr val="white"/>
+                  </a:solidFill>
+                </a:rPr>
+                <a:t>A</a:t>
+              </a:r>
+              <a:r>
+                <a:rPr lang="ko-KR" altLang="en-US" sz="1200" b="1">
+                  <a:solidFill>
+                    <a:prstClr val="white"/>
+                  </a:solidFill>
+                </a:rPr>
+                <a:t> </a:t>
+              </a:r>
+              <a:endParaRPr lang="ko-KR" altLang="en-US" sz="1200" b="1">
+                <a:solidFill>
+                  <a:prstClr val="black"/>
+                </a:solidFill>
+              </a:endParaRPr>
+            </a:p>
+          </p:txBody>
+        </p:sp>
+      </p:grpSp>
+      <p:sp>
+        <p:nvSpPr>
+          <p:cNvPr id="80" name="직사각형 79"/>
+          <p:cNvSpPr/>
+          <p:nvPr/>
+        </p:nvSpPr>
+        <p:spPr>
+          <a:xfrm>
+            <a:off x="7829075" y="4639654"/>
+            <a:ext cx="2825590" cy="1231081"/>
+          </a:xfrm>
+          <a:prstGeom prst="rect">
+            <a:avLst/>
+          </a:prstGeom>
+        </p:spPr>
+        <p:txBody>
+          <a:bodyPr wrap="square">
+            <a:spAutoFit/>
+          </a:bodyPr>
+          <a:lstStyle/>
+          <a:p>
+            <a:pPr algn="ctr">
+              <a:lnSpc>
+                <a:spcPct val="150000"/>
+              </a:lnSpc>
+              <a:defRPr lang="ko-KR" altLang="en-US"/>
+            </a:pPr>
+            <a:r>
+              <a:rPr lang="en-US" altLang="ko-KR" sz="1600" b="1">
+                <a:solidFill>
+                  <a:prstClr val="white">
+                    <a:lumMod val="50000"/>
+                  </a:prstClr>
+                </a:solidFill>
+              </a:rPr>
+              <a:t>CONTENTS</a:t>
+            </a:r>
+            <a:endParaRPr lang="en-US" altLang="ko-KR" sz="1600" b="1">
+              <a:solidFill>
+                <a:prstClr val="white">
+                  <a:lumMod val="50000"/>
+                </a:prstClr>
+              </a:solidFill>
+            </a:endParaRPr>
+          </a:p>
+          <a:p>
+            <a:pPr algn="ctr">
+              <a:lnSpc>
+                <a:spcPct val="150000"/>
+              </a:lnSpc>
+              <a:defRPr lang="ko-KR" altLang="en-US"/>
+            </a:pPr>
+            <a:r>
+              <a:rPr lang="ko-KR" altLang="en-US" sz="1400">
+                <a:solidFill>
+                  <a:prstClr val="white">
+                    <a:lumMod val="50000"/>
+                  </a:prstClr>
+                </a:solidFill>
+              </a:rPr>
+              <a:t>컨텐츠에 대한 내용을 적어요</a:t>
+            </a:r>
+            <a:endParaRPr lang="ko-KR" altLang="en-US" sz="1400">
+              <a:solidFill>
+                <a:prstClr val="white">
+                  <a:lumMod val="50000"/>
+                </a:prstClr>
+              </a:solidFill>
+            </a:endParaRPr>
+          </a:p>
+          <a:p>
+            <a:pPr algn="ctr">
+              <a:lnSpc>
+                <a:spcPct val="150000"/>
+              </a:lnSpc>
+              <a:defRPr lang="ko-KR" altLang="en-US"/>
+            </a:pPr>
+            <a:r>
+              <a:rPr lang="ko-KR" altLang="en-US" sz="1000">
+                <a:solidFill>
+                  <a:prstClr val="white">
+                    <a:lumMod val="75000"/>
+                  </a:prstClr>
+                </a:solidFill>
+              </a:rPr>
+              <a:t>Enjoy your stylish business and campus life with BIZCAM </a:t>
+            </a:r>
+            <a:endParaRPr lang="ko-KR" altLang="en-US" sz="1000">
+              <a:solidFill>
+                <a:prstClr val="white">
+                  <a:lumMod val="75000"/>
+                </a:prstClr>
+              </a:solidFill>
+            </a:endParaRPr>
+          </a:p>
+        </p:txBody>
+      </p:sp>
+      <p:pic>
+        <p:nvPicPr>
+          <p:cNvPr id="83" name="Picture 4"/>
+          <p:cNvPicPr>
+            <a:picLocks noChangeAspect="1" noChangeArrowheads="1"/>
+          </p:cNvPicPr>
+          <p:nvPr/>
+        </p:nvPicPr>
+        <p:blipFill rotWithShape="1">
+          <a:blip r:embed="rId2"/>
+          <a:stretch>
+            <a:fillRect/>
+          </a:stretch>
+        </p:blipFill>
+        <p:spPr>
+          <a:xfrm>
+            <a:off x="1467838" y="1548668"/>
+            <a:ext cx="2106179" cy="4592783"/>
+          </a:xfrm>
+          <a:prstGeom prst="rect">
+            <a:avLst/>
+          </a:prstGeom>
+          <a:noFill/>
+        </p:spPr>
+      </p:pic>
+      <p:pic>
+        <p:nvPicPr>
+          <p:cNvPr id="84" name="Picture 4"/>
+          <p:cNvPicPr>
+            <a:picLocks noChangeAspect="1" noChangeArrowheads="1"/>
+          </p:cNvPicPr>
+          <p:nvPr/>
+        </p:nvPicPr>
+        <p:blipFill rotWithShape="1">
+          <a:blip r:embed="rId3"/>
+          <a:stretch>
+            <a:fillRect/>
+          </a:stretch>
+        </p:blipFill>
+        <p:spPr>
+          <a:xfrm>
+            <a:off x="4162256" y="1522408"/>
+            <a:ext cx="2106179" cy="4592783"/>
+          </a:xfrm>
+          <a:prstGeom prst="rect">
+            <a:avLst/>
+          </a:prstGeom>
+          <a:noFill/>
+        </p:spPr>
+      </p:pic>
+      <p:sp>
+        <p:nvSpPr>
+          <p:cNvPr id="85" name="직사각형 23"/>
+          <p:cNvSpPr/>
+          <p:nvPr/>
+        </p:nvSpPr>
+        <p:spPr>
+          <a:xfrm>
+            <a:off x="4255907" y="6049930"/>
+            <a:ext cx="1836283" cy="336769"/>
+          </a:xfrm>
+          <a:prstGeom prst="rect">
+            <a:avLst/>
+          </a:prstGeom>
+        </p:spPr>
+        <p:txBody>
+          <a:bodyPr wrap="square">
+            <a:spAutoFit/>
+          </a:bodyPr>
+          <a:lstStyle/>
+          <a:p>
+            <a:pPr algn="ctr">
+              <a:lnSpc>
+                <a:spcPct val="150000"/>
+              </a:lnSpc>
+              <a:defRPr lang="ko-KR" altLang="en-US"/>
+            </a:pPr>
+            <a:r>
+              <a:rPr lang="en-US" altLang="ko-KR" sz="1100">
+                <a:solidFill>
+                  <a:prstClr val="black">
+                    <a:lumMod val="65000"/>
+                    <a:lumOff val="35000"/>
+                  </a:prstClr>
+                </a:solidFill>
+              </a:rPr>
+              <a:t>FoodDataActivity</a:t>
+            </a:r>
+            <a:endParaRPr lang="en-US" altLang="ko-KR" sz="1100">
+              <a:solidFill>
+                <a:prstClr val="black">
+                  <a:lumMod val="65000"/>
+                  <a:lumOff val="35000"/>
+                </a:prstClr>
+              </a:solidFill>
+            </a:endParaRPr>
+          </a:p>
+        </p:txBody>
+      </p:sp>
+      <p:sp>
+        <p:nvSpPr>
+          <p:cNvPr id="86" name="직사각형 23"/>
+          <p:cNvSpPr/>
+          <p:nvPr/>
+        </p:nvSpPr>
+        <p:spPr>
+          <a:xfrm>
+            <a:off x="1748339" y="6042096"/>
+            <a:ext cx="1676851" cy="337749"/>
+          </a:xfrm>
+          <a:prstGeom prst="rect">
+            <a:avLst/>
+          </a:prstGeom>
+        </p:spPr>
+        <p:txBody>
+          <a:bodyPr wrap="square">
+            <a:spAutoFit/>
+          </a:bodyPr>
+          <a:lstStyle/>
+          <a:p>
+            <a:pPr algn="ctr">
+              <a:lnSpc>
+                <a:spcPct val="150000"/>
+              </a:lnSpc>
+              <a:defRPr lang="ko-KR" altLang="en-US"/>
+            </a:pPr>
+            <a:r>
+              <a:rPr lang="en-US" altLang="ko-KR" sz="1100">
+                <a:solidFill>
+                  <a:prstClr val="black">
+                    <a:lumMod val="65000"/>
+                    <a:lumOff val="35000"/>
+                  </a:prstClr>
+                </a:solidFill>
+              </a:rPr>
+              <a:t>Fragment - Food</a:t>
+            </a:r>
+            <a:endParaRPr lang="en-US" altLang="ko-KR" sz="1100">
+              <a:solidFill>
+                <a:prstClr val="black">
+                  <a:lumMod val="65000"/>
+                  <a:lumOff val="35000"/>
+                </a:prstClr>
+              </a:solidFill>
+            </a:endParaRPr>
+          </a:p>
+        </p:txBody>
+      </p:sp>
+    </p:spTree>
+  </p:cSld>
+  <p:clrMapOvr>
+    <a:masterClrMapping/>
+  </p:clrMapOvr>
+  <mc:AlternateContent xmlns:mc="http://schemas.openxmlformats.org/markup-compatibility/2006">
+    <mc:Choice xmlns:p14="http://schemas.microsoft.com/office/powerpoint/2010/main" Requires="p14">
+      <p:transition xmlns:mc="http://schemas.openxmlformats.org/markup-compatibility/2006" xmlns:p14="http://schemas.microsoft.com/office/powerpoint/2010/main" mc:Ignorable="p14" p14:dur="500"/>
+    </mc:Choice>
+    <mc:Fallback>
+      <p:transition/>
+    </mc:Fallback>
+  </mc:AlternateContent>
+  <p:timing>
+    <p:tnLst>
+      <p:par>
+        <p:cTn id="1" dur="indefinite" restart="never" nodeType="tmRoot"/>
+      </p:par>
+    </p:tnLst>
+  </p:timing>
+</p:sld>
+</file>
+
+<file path=ppt/slides/slide11.xml><?xml version="1.0" encoding="utf-8"?>
+<p:sld xmlns:r="http://schemas.openxmlformats.org/officeDocument/2006/relationships" xmlns:c="http://schemas.openxmlformats.org/drawingml/2006/chart" xmlns:a="http://schemas.openxmlformats.org/drawingml/2006/main" xmlns:dgm="http://schemas.openxmlformats.org/drawingml/2006/diagram" xmlns:dsp="http://schemas.microsoft.com/office/drawing/2008/diagram" xmlns:p="http://schemas.openxmlformats.org/presentationml/2006/main">
+  <p:cSld>
+    <p:bg>
+      <p:bgPr shadeToTitle="0">
+        <a:solidFill>
+          <a:srgbClr val="dfe7f2"/>
+        </a:solidFill>
+      </p:bgPr>
+    </p:bg>
+    <p:spTree>
+      <p:nvGrpSpPr>
+        <p:cNvPr id="1" name=""/>
+        <p:cNvGrpSpPr/>
+        <p:nvPr/>
+      </p:nvGrpSpPr>
+      <p:grpSpPr>
+        <a:xfrm>
+          <a:off x="0" y="0"/>
+          <a:ext cx="0" cy="0"/>
+          <a:chOff x="0" y="0"/>
+          <a:chExt cx="0" cy="0"/>
+        </a:xfrm>
+      </p:grpSpPr>
+      <p:sp>
+        <p:nvSpPr>
+          <p:cNvPr id="13" name="사각형: 둥근 모서리 12"/>
+          <p:cNvSpPr/>
+          <p:nvPr/>
+        </p:nvSpPr>
+        <p:spPr>
+          <a:xfrm>
+            <a:off x="513774" y="340293"/>
+            <a:ext cx="10917316" cy="6219741"/>
+          </a:xfrm>
+          <a:prstGeom prst="roundRect">
+            <a:avLst>
+              <a:gd name="adj" fmla="val 2491"/>
+            </a:avLst>
+          </a:prstGeom>
+          <a:solidFill>
+            <a:schemeClr val="bg1"/>
+          </a:solidFill>
+          <a:ln>
+            <a:noFill/>
+          </a:ln>
+          <a:effectLst>
+            <a:outerShdw blurRad="190500" dist="241300" dir="2700000" sx="98000" sy="98000" algn="tl" rotWithShape="0">
+              <a:srgbClr val="9aa6c0"/>
+            </a:outerShdw>
+          </a:effectLst>
+        </p:spPr>
+        <p:style>
+          <a:lnRef idx="2">
+            <a:schemeClr val="accent1">
+              <a:shade val="50000"/>
+            </a:schemeClr>
+          </a:lnRef>
+          <a:fillRef idx="1">
+            <a:schemeClr val="accent1"/>
+          </a:fillRef>
+          <a:effectRef idx="0">
+            <a:schemeClr val="accent1"/>
+          </a:effectRef>
+          <a:fontRef idx="minor">
+            <a:schemeClr val="lt1"/>
+          </a:fontRef>
+        </p:style>
+        <p:txBody>
+          <a:bodyPr anchor="ctr"/>
+          <a:lstStyle/>
+          <a:p>
+            <a:pPr algn="ctr" latinLnBrk="0">
+              <a:defRPr lang="ko-KR"/>
+            </a:pPr>
+            <a:endParaRPr lang="en-US" altLang="ko-KR" sz="2000" b="1" i="1" kern="0">
+              <a:solidFill>
+                <a:srgbClr val="9aa6c0"/>
+              </a:solidFill>
+            </a:endParaRPr>
+          </a:p>
+        </p:txBody>
+      </p:sp>
+      <p:sp>
+        <p:nvSpPr>
+          <p:cNvPr id="174" name="TextBox 173"/>
+          <p:cNvSpPr txBox="1"/>
+          <p:nvPr/>
+        </p:nvSpPr>
+        <p:spPr>
+          <a:xfrm>
+            <a:off x="852799" y="1572960"/>
+            <a:ext cx="10306691" cy="358710"/>
+          </a:xfrm>
+          <a:prstGeom prst="rect">
+            <a:avLst/>
+          </a:prstGeom>
+        </p:spPr>
+        <p:txBody>
+          <a:bodyPr wrap="square">
+            <a:spAutoFit/>
+          </a:bodyPr>
+          <a:lstStyle/>
+          <a:p>
+            <a:pPr>
+              <a:defRPr lang="ko-KR" altLang="en-US"/>
+            </a:pPr>
+            <a:endParaRPr lang="ko-KR" altLang="en-US"/>
+          </a:p>
+        </p:txBody>
+      </p:sp>
+      <p:sp>
+        <p:nvSpPr>
+          <p:cNvPr id="176" name="TextBox 175"/>
+          <p:cNvSpPr txBox="1"/>
+          <p:nvPr/>
+        </p:nvSpPr>
+        <p:spPr>
+          <a:xfrm>
+            <a:off x="763781" y="1510647"/>
+            <a:ext cx="10414759" cy="363873"/>
+          </a:xfrm>
+          <a:prstGeom prst="rect">
+            <a:avLst/>
+          </a:prstGeom>
+        </p:spPr>
+        <p:txBody>
+          <a:bodyPr wrap="square">
+            <a:spAutoFit/>
+          </a:bodyPr>
+          <a:lstStyle/>
+          <a:p>
+            <a:pPr>
+              <a:defRPr lang="ko-KR" altLang="en-US"/>
+            </a:pPr>
+            <a:endParaRPr lang="ko-KR" altLang="en-US"/>
+          </a:p>
+        </p:txBody>
+      </p:sp>
+      <p:grpSp>
+        <p:nvGrpSpPr>
+          <p:cNvPr id="2" name="그룹 86"/>
+          <p:cNvGrpSpPr/>
+          <p:nvPr/>
+        </p:nvGrpSpPr>
+        <p:grpSpPr>
+          <a:xfrm rot="0">
+            <a:off x="674608" y="497611"/>
+            <a:ext cx="5507117" cy="568172"/>
+            <a:chOff x="588883" y="392836"/>
+            <a:chExt cx="5507117" cy="568172"/>
+          </a:xfrm>
+        </p:grpSpPr>
+        <p:sp>
+          <p:nvSpPr>
+            <p:cNvPr id="70" name="사각형: 둥근 모서리 4"/>
+            <p:cNvSpPr/>
+            <p:nvPr/>
+          </p:nvSpPr>
+          <p:spPr>
+            <a:xfrm>
+              <a:off x="588883" y="392837"/>
+              <a:ext cx="4678532" cy="568171"/>
+            </a:xfrm>
+            <a:prstGeom prst="roundRect">
+              <a:avLst>
+                <a:gd name="adj" fmla="val 16667"/>
+              </a:avLst>
+            </a:prstGeom>
+            <a:solidFill>
+              <a:schemeClr val="bg1"/>
+            </a:solidFill>
+            <a:ln>
+              <a:noFill/>
+            </a:ln>
+            <a:effectLst>
+              <a:outerShdw blurRad="190500" dist="101600" dir="2700000" sx="98000" sy="98000" algn="tl" rotWithShape="0">
+                <a:srgbClr val="9aa6c0"/>
+              </a:outerShdw>
+            </a:effectLst>
+          </p:spPr>
+          <p:style>
+            <a:lnRef idx="2">
+              <a:schemeClr val="accent1">
+                <a:shade val="50000"/>
+              </a:schemeClr>
+            </a:lnRef>
+            <a:fillRef idx="1">
+              <a:schemeClr val="accent1"/>
+            </a:fillRef>
+            <a:effectRef idx="0">
+              <a:schemeClr val="accent1"/>
+            </a:effectRef>
+            <a:fontRef idx="minor">
+              <a:schemeClr val="lt1"/>
+            </a:fontRef>
+          </p:style>
+          <p:txBody>
+            <a:bodyPr anchor="ctr"/>
+            <a:lstStyle/>
+            <a:p>
+              <a:pPr algn="ctr" latinLnBrk="0">
+                <a:defRPr lang="ko-KR"/>
+              </a:pPr>
+              <a:r>
+                <a:rPr lang="ko-KR" altLang="en-US" sz="2000" b="1" i="1" kern="0">
+                  <a:solidFill>
+                    <a:srgbClr val="9aa6c0"/>
+                  </a:solidFill>
+                </a:rPr>
+                <a:t>수면 데이터</a:t>
+              </a:r>
+              <a:endParaRPr lang="en-US" altLang="ko-KR" sz="2000" b="1" i="1" kern="0">
+                <a:solidFill>
+                  <a:srgbClr val="9aa6c0"/>
+                </a:solidFill>
+              </a:endParaRPr>
+            </a:p>
+          </p:txBody>
+        </p:sp>
+        <p:sp>
+          <p:nvSpPr>
+            <p:cNvPr id="71" name="사각형: 둥근 모서리 6"/>
+            <p:cNvSpPr/>
+            <p:nvPr/>
+          </p:nvSpPr>
+          <p:spPr>
+            <a:xfrm>
+              <a:off x="5419816" y="392836"/>
+              <a:ext cx="676184" cy="568171"/>
+            </a:xfrm>
+            <a:prstGeom prst="roundRect">
+              <a:avLst>
+                <a:gd name="adj" fmla="val 13790"/>
+              </a:avLst>
+            </a:prstGeom>
+            <a:solidFill>
+              <a:srgbClr val="9aa6c0"/>
+            </a:solidFill>
+            <a:ln>
+              <a:noFill/>
+            </a:ln>
+            <a:effectLst>
+              <a:outerShdw blurRad="190500" dist="50800" dir="2700000" sx="98000" sy="98000" algn="tl" rotWithShape="0">
+                <a:srgbClr val="9aa6c0"/>
+              </a:outerShdw>
+            </a:effectLst>
+          </p:spPr>
+          <p:style>
+            <a:lnRef idx="2">
+              <a:schemeClr val="accent1">
+                <a:shade val="50000"/>
+              </a:schemeClr>
+            </a:lnRef>
+            <a:fillRef idx="1">
+              <a:schemeClr val="accent1"/>
+            </a:fillRef>
+            <a:effectRef idx="0">
+              <a:schemeClr val="accent1"/>
+            </a:effectRef>
+            <a:fontRef idx="minor">
+              <a:schemeClr val="lt1"/>
+            </a:fontRef>
+          </p:style>
+          <p:txBody>
+            <a:bodyPr anchor="ctr"/>
+            <a:lstStyle/>
+            <a:p>
+              <a:pPr algn="ctr">
+                <a:defRPr lang="ko-KR" altLang="en-US"/>
+              </a:pPr>
+              <a:endParaRPr lang="ko-KR" altLang="en-US">
+                <a:solidFill>
+                  <a:prstClr val="white"/>
+                </a:solidFill>
+              </a:endParaRPr>
+            </a:p>
+          </p:txBody>
+        </p:sp>
+        <p:sp>
+          <p:nvSpPr>
+            <p:cNvPr id="72" name="원형: 비어 있음 8"/>
+            <p:cNvSpPr/>
+            <p:nvPr/>
+          </p:nvSpPr>
+          <p:spPr>
+            <a:xfrm>
+              <a:off x="5638844" y="549275"/>
+              <a:ext cx="209550" cy="209550"/>
+            </a:xfrm>
+            <a:prstGeom prst="donut">
+              <a:avLst>
+                <a:gd name="adj" fmla="val 14764"/>
+              </a:avLst>
+            </a:prstGeom>
+            <a:solidFill>
+              <a:schemeClr val="bg1"/>
+            </a:solidFill>
+            <a:ln>
+              <a:noFill/>
+            </a:ln>
+          </p:spPr>
+          <p:style>
+            <a:lnRef idx="2">
+              <a:schemeClr val="accent1">
+                <a:shade val="50000"/>
+              </a:schemeClr>
+            </a:lnRef>
+            <a:fillRef idx="1">
+              <a:schemeClr val="accent1"/>
+            </a:fillRef>
+            <a:effectRef idx="0">
+              <a:schemeClr val="accent1"/>
+            </a:effectRef>
+            <a:fontRef idx="minor">
+              <a:schemeClr val="lt1"/>
+            </a:fontRef>
+          </p:style>
+          <p:txBody>
+            <a:bodyPr anchor="ctr"/>
+            <a:lstStyle/>
+            <a:p>
+              <a:pPr algn="ctr">
+                <a:defRPr lang="ko-KR" altLang="en-US"/>
+              </a:pPr>
+              <a:endParaRPr lang="ko-KR" altLang="en-US">
+                <a:solidFill>
+                  <a:prstClr val="black"/>
+                </a:solidFill>
+              </a:endParaRPr>
+            </a:p>
+          </p:txBody>
+        </p:sp>
+        <p:sp>
+          <p:nvSpPr>
+            <p:cNvPr id="73" name="사각형: 둥근 모서리 10"/>
+            <p:cNvSpPr/>
+            <p:nvPr/>
+          </p:nvSpPr>
+          <p:spPr>
+            <a:xfrm rot="18900000">
+              <a:off x="5837537" y="691587"/>
+              <a:ext cx="36000" cy="144000"/>
+            </a:xfrm>
+            <a:prstGeom prst="roundRect">
+              <a:avLst>
+                <a:gd name="adj" fmla="val 50000"/>
+              </a:avLst>
+            </a:prstGeom>
+            <a:solidFill>
+              <a:schemeClr val="bg1"/>
+            </a:solidFill>
+            <a:ln>
+              <a:noFill/>
+            </a:ln>
+          </p:spPr>
+          <p:style>
+            <a:lnRef idx="2">
+              <a:schemeClr val="accent1">
+                <a:shade val="50000"/>
+              </a:schemeClr>
+            </a:lnRef>
+            <a:fillRef idx="1">
+              <a:schemeClr val="accent1"/>
+            </a:fillRef>
+            <a:effectRef idx="0">
+              <a:schemeClr val="accent1"/>
+            </a:effectRef>
+            <a:fontRef idx="minor">
+              <a:schemeClr val="lt1"/>
+            </a:fontRef>
+          </p:style>
+          <p:txBody>
+            <a:bodyPr anchor="ctr"/>
+            <a:lstStyle/>
+            <a:p>
+              <a:pPr algn="ctr">
+                <a:defRPr lang="ko-KR" altLang="en-US"/>
+              </a:pPr>
+              <a:endParaRPr lang="ko-KR" altLang="en-US">
+                <a:solidFill>
+                  <a:prstClr val="black"/>
+                </a:solidFill>
+              </a:endParaRPr>
+            </a:p>
+          </p:txBody>
+        </p:sp>
+      </p:grpSp>
+      <p:sp>
+        <p:nvSpPr>
+          <p:cNvPr id="74" name="직사각형 73"/>
+          <p:cNvSpPr/>
+          <p:nvPr/>
+        </p:nvSpPr>
+        <p:spPr>
+          <a:xfrm>
+            <a:off x="1226567" y="2877479"/>
+            <a:ext cx="350773" cy="263866"/>
+          </a:xfrm>
+          <a:prstGeom prst="rect">
+            <a:avLst/>
+          </a:prstGeom>
+        </p:spPr>
+        <p:txBody>
+          <a:bodyPr wrap="square">
+            <a:spAutoFit/>
+          </a:bodyPr>
+          <a:lstStyle/>
+          <a:p>
+            <a:pPr lvl="0">
+              <a:defRPr lang="ko-KR" altLang="en-US"/>
+            </a:pPr>
+            <a:r>
+              <a:rPr lang="en-US" altLang="ko-KR" sz="1200" b="1">
+                <a:solidFill>
+                  <a:prstClr val="white"/>
+                </a:solidFill>
+              </a:rPr>
+              <a:t>A</a:t>
+            </a:r>
+            <a:r>
+              <a:rPr lang="ko-KR" altLang="en-US" sz="1200" b="1">
+                <a:solidFill>
+                  <a:prstClr val="white"/>
+                </a:solidFill>
+              </a:rPr>
+              <a:t> </a:t>
+            </a:r>
+            <a:endParaRPr lang="ko-KR" altLang="en-US" sz="1200" b="1">
+              <a:solidFill>
+                <a:prstClr val="black"/>
+              </a:solidFill>
+            </a:endParaRPr>
+          </a:p>
+        </p:txBody>
+      </p:sp>
+      <p:sp>
+        <p:nvSpPr>
+          <p:cNvPr id="75" name="직사각형 74"/>
+          <p:cNvSpPr/>
+          <p:nvPr/>
+        </p:nvSpPr>
+        <p:spPr>
+          <a:xfrm>
+            <a:off x="4664146" y="2877003"/>
+            <a:ext cx="351719" cy="264342"/>
+          </a:xfrm>
+          <a:prstGeom prst="rect">
+            <a:avLst/>
+          </a:prstGeom>
+        </p:spPr>
+        <p:txBody>
+          <a:bodyPr wrap="square">
+            <a:spAutoFit/>
+          </a:bodyPr>
+          <a:lstStyle/>
+          <a:p>
+            <a:pPr lvl="0">
+              <a:defRPr lang="ko-KR" altLang="en-US"/>
+            </a:pPr>
+            <a:r>
+              <a:rPr lang="en-US" altLang="ko-KR" sz="1200" b="1">
+                <a:solidFill>
+                  <a:prstClr val="white"/>
+                </a:solidFill>
+              </a:rPr>
+              <a:t>A</a:t>
+            </a:r>
+            <a:r>
+              <a:rPr lang="ko-KR" altLang="en-US" sz="1200" b="1">
+                <a:solidFill>
+                  <a:prstClr val="white"/>
+                </a:solidFill>
+              </a:rPr>
+              <a:t> </a:t>
+            </a:r>
+            <a:endParaRPr lang="ko-KR" altLang="en-US" sz="1200" b="1">
+              <a:solidFill>
+                <a:prstClr val="black"/>
+              </a:solidFill>
+            </a:endParaRPr>
+          </a:p>
+        </p:txBody>
+      </p:sp>
+      <p:grpSp>
+        <p:nvGrpSpPr>
+          <p:cNvPr id="3" name="그룹 130"/>
+          <p:cNvGrpSpPr/>
+          <p:nvPr/>
+        </p:nvGrpSpPr>
+        <p:grpSpPr>
+          <a:xfrm rot="0">
+            <a:off x="6997269" y="1698900"/>
+            <a:ext cx="4167889" cy="2798323"/>
+            <a:chOff x="8092199" y="2867001"/>
+            <a:chExt cx="2859314" cy="1596571"/>
+          </a:xfrm>
+        </p:grpSpPr>
+        <p:sp>
+          <p:nvSpPr>
+            <p:cNvPr id="77" name="대각선 방향의 모서리가 둥근 사각형 31"/>
+            <p:cNvSpPr/>
+            <p:nvPr/>
+          </p:nvSpPr>
+          <p:spPr>
+            <a:xfrm flipH="1">
+              <a:off x="8092199" y="2867001"/>
+              <a:ext cx="2859314" cy="1596571"/>
+            </a:xfrm>
+            <a:prstGeom prst="round2DiagRect">
+              <a:avLst>
+                <a:gd name="adj1" fmla="val 23031"/>
+                <a:gd name="adj2" fmla="val 0"/>
+              </a:avLst>
+            </a:prstGeom>
+            <a:solidFill>
+              <a:schemeClr val="bg1"/>
+            </a:solidFill>
+            <a:ln>
+              <a:solidFill>
+                <a:srgbClr val="9aa6c0"/>
+              </a:solidFill>
+            </a:ln>
+            <a:effectLst/>
+          </p:spPr>
+          <p:style>
+            <a:lnRef idx="2">
+              <a:schemeClr val="accent1">
+                <a:shade val="50000"/>
+              </a:schemeClr>
+            </a:lnRef>
+            <a:fillRef idx="1">
+              <a:schemeClr val="accent1"/>
+            </a:fillRef>
+            <a:effectRef idx="0">
+              <a:schemeClr val="accent1"/>
+            </a:effectRef>
+            <a:fontRef idx="minor">
+              <a:schemeClr val="lt1"/>
+            </a:fontRef>
+          </p:style>
+          <p:txBody>
+            <a:bodyPr anchor="ctr"/>
+            <a:lstStyle/>
+            <a:p>
+              <a:pPr algn="ctr">
+                <a:defRPr lang="ko-KR" altLang="en-US"/>
+              </a:pPr>
+              <a:endParaRPr lang="ko-KR" altLang="en-US">
+                <a:solidFill>
+                  <a:prstClr val="white"/>
+                </a:solidFill>
+              </a:endParaRPr>
+            </a:p>
+          </p:txBody>
+        </p:sp>
+        <p:sp>
+          <p:nvSpPr>
+            <p:cNvPr id="78" name="직각 삼각형 77"/>
+            <p:cNvSpPr/>
+            <p:nvPr/>
+          </p:nvSpPr>
+          <p:spPr>
+            <a:xfrm rot="5400000">
+              <a:off x="8092200" y="2867002"/>
+              <a:ext cx="468085" cy="468085"/>
+            </a:xfrm>
+            <a:prstGeom prst="rtTriangle">
+              <a:avLst/>
+            </a:prstGeom>
+            <a:solidFill>
+              <a:srgbClr val="9aa6c0"/>
+            </a:solidFill>
+            <a:ln>
+              <a:noFill/>
+            </a:ln>
+          </p:spPr>
+          <p:style>
+            <a:lnRef idx="2">
+              <a:schemeClr val="accent1">
+                <a:shade val="50000"/>
+              </a:schemeClr>
+            </a:lnRef>
+            <a:fillRef idx="1">
+              <a:schemeClr val="accent1"/>
+            </a:fillRef>
+            <a:effectRef idx="0">
+              <a:schemeClr val="accent1"/>
+            </a:effectRef>
+            <a:fontRef idx="minor">
+              <a:schemeClr val="lt1"/>
+            </a:fontRef>
+          </p:style>
+          <p:txBody>
+            <a:bodyPr anchor="ctr"/>
+            <a:lstStyle/>
+            <a:p>
+              <a:pPr algn="ctr">
+                <a:defRPr lang="ko-KR" altLang="en-US"/>
+              </a:pPr>
+              <a:endParaRPr lang="ko-KR" altLang="en-US">
+                <a:solidFill>
+                  <a:prstClr val="white"/>
+                </a:solidFill>
+              </a:endParaRPr>
+            </a:p>
+          </p:txBody>
+        </p:sp>
+        <p:sp>
+          <p:nvSpPr>
+            <p:cNvPr id="79" name="직사각형 78"/>
+            <p:cNvSpPr/>
+            <p:nvPr/>
+          </p:nvSpPr>
+          <p:spPr>
+            <a:xfrm>
+              <a:off x="8101725" y="2876525"/>
+              <a:ext cx="336660" cy="150453"/>
+            </a:xfrm>
+            <a:prstGeom prst="rect">
+              <a:avLst/>
+            </a:prstGeom>
+          </p:spPr>
+          <p:txBody>
+            <a:bodyPr wrap="square">
+              <a:spAutoFit/>
+            </a:bodyPr>
+            <a:lstStyle/>
+            <a:p>
+              <a:pPr lvl="0">
+                <a:defRPr lang="ko-KR" altLang="en-US"/>
+              </a:pPr>
+              <a:r>
+                <a:rPr lang="en-US" altLang="ko-KR" sz="1200" b="1">
+                  <a:solidFill>
+                    <a:prstClr val="white"/>
+                  </a:solidFill>
+                </a:rPr>
+                <a:t>A</a:t>
+              </a:r>
+              <a:r>
+                <a:rPr lang="ko-KR" altLang="en-US" sz="1200" b="1">
+                  <a:solidFill>
+                    <a:prstClr val="white"/>
+                  </a:solidFill>
+                </a:rPr>
+                <a:t> </a:t>
+              </a:r>
+              <a:endParaRPr lang="ko-KR" altLang="en-US" sz="1200" b="1">
+                <a:solidFill>
+                  <a:prstClr val="black"/>
+                </a:solidFill>
+              </a:endParaRPr>
+            </a:p>
+          </p:txBody>
+        </p:sp>
+      </p:grpSp>
+      <p:sp>
+        <p:nvSpPr>
+          <p:cNvPr id="80" name="직사각형 79"/>
+          <p:cNvSpPr/>
+          <p:nvPr/>
+        </p:nvSpPr>
+        <p:spPr>
+          <a:xfrm>
+            <a:off x="7829075" y="4639654"/>
+            <a:ext cx="2825590" cy="1231081"/>
+          </a:xfrm>
+          <a:prstGeom prst="rect">
+            <a:avLst/>
+          </a:prstGeom>
+        </p:spPr>
+        <p:txBody>
+          <a:bodyPr wrap="square">
+            <a:spAutoFit/>
+          </a:bodyPr>
+          <a:lstStyle/>
+          <a:p>
+            <a:pPr algn="ctr">
+              <a:lnSpc>
+                <a:spcPct val="150000"/>
+              </a:lnSpc>
+              <a:defRPr lang="ko-KR" altLang="en-US"/>
+            </a:pPr>
+            <a:r>
+              <a:rPr lang="en-US" altLang="ko-KR" sz="1600" b="1">
+                <a:solidFill>
+                  <a:prstClr val="white">
+                    <a:lumMod val="50000"/>
+                  </a:prstClr>
+                </a:solidFill>
+              </a:rPr>
+              <a:t>CONTENTS</a:t>
+            </a:r>
+            <a:endParaRPr lang="en-US" altLang="ko-KR" sz="1600" b="1">
+              <a:solidFill>
+                <a:prstClr val="white">
+                  <a:lumMod val="50000"/>
+                </a:prstClr>
+              </a:solidFill>
+            </a:endParaRPr>
+          </a:p>
+          <a:p>
+            <a:pPr algn="ctr">
+              <a:lnSpc>
+                <a:spcPct val="150000"/>
+              </a:lnSpc>
+              <a:defRPr lang="ko-KR" altLang="en-US"/>
+            </a:pPr>
+            <a:r>
+              <a:rPr lang="ko-KR" altLang="en-US" sz="1400">
+                <a:solidFill>
+                  <a:prstClr val="white">
+                    <a:lumMod val="50000"/>
+                  </a:prstClr>
+                </a:solidFill>
+              </a:rPr>
+              <a:t>컨텐츠에 대한 내용을 적어요</a:t>
+            </a:r>
+            <a:endParaRPr lang="ko-KR" altLang="en-US" sz="1400">
+              <a:solidFill>
+                <a:prstClr val="white">
+                  <a:lumMod val="50000"/>
+                </a:prstClr>
+              </a:solidFill>
+            </a:endParaRPr>
+          </a:p>
+          <a:p>
+            <a:pPr algn="ctr">
+              <a:lnSpc>
+                <a:spcPct val="150000"/>
+              </a:lnSpc>
+              <a:defRPr lang="ko-KR" altLang="en-US"/>
+            </a:pPr>
+            <a:r>
+              <a:rPr lang="ko-KR" altLang="en-US" sz="1000">
+                <a:solidFill>
+                  <a:prstClr val="white">
+                    <a:lumMod val="75000"/>
+                  </a:prstClr>
+                </a:solidFill>
+              </a:rPr>
+              <a:t>Enjoy your stylish business and campus life with BIZCAM </a:t>
+            </a:r>
+            <a:endParaRPr lang="ko-KR" altLang="en-US" sz="1000">
+              <a:solidFill>
+                <a:prstClr val="white">
+                  <a:lumMod val="75000"/>
+                </a:prstClr>
+              </a:solidFill>
+            </a:endParaRPr>
+          </a:p>
+        </p:txBody>
+      </p:sp>
+      <p:pic>
+        <p:nvPicPr>
+          <p:cNvPr id="83" name="Picture 4"/>
+          <p:cNvPicPr>
+            <a:picLocks noChangeAspect="1" noChangeArrowheads="1"/>
+          </p:cNvPicPr>
+          <p:nvPr/>
+        </p:nvPicPr>
+        <p:blipFill rotWithShape="1">
+          <a:blip r:embed="rId2"/>
+          <a:stretch>
+            <a:fillRect/>
+          </a:stretch>
+        </p:blipFill>
+        <p:spPr>
+          <a:xfrm>
+            <a:off x="1467838" y="1548668"/>
+            <a:ext cx="2106179" cy="4592783"/>
+          </a:xfrm>
+          <a:prstGeom prst="rect">
+            <a:avLst/>
+          </a:prstGeom>
+          <a:noFill/>
+        </p:spPr>
+      </p:pic>
+      <p:pic>
+        <p:nvPicPr>
+          <p:cNvPr id="84" name="Picture 4"/>
+          <p:cNvPicPr>
+            <a:picLocks noChangeAspect="1" noChangeArrowheads="1"/>
+          </p:cNvPicPr>
+          <p:nvPr/>
+        </p:nvPicPr>
+        <p:blipFill rotWithShape="1">
+          <a:blip r:embed="rId3"/>
+          <a:stretch>
+            <a:fillRect/>
+          </a:stretch>
+        </p:blipFill>
+        <p:spPr>
+          <a:xfrm>
+            <a:off x="4162256" y="1522408"/>
+            <a:ext cx="2106179" cy="4592783"/>
+          </a:xfrm>
+          <a:prstGeom prst="rect">
+            <a:avLst/>
+          </a:prstGeom>
+          <a:noFill/>
+        </p:spPr>
+      </p:pic>
+      <p:sp>
+        <p:nvSpPr>
+          <p:cNvPr id="85" name="직사각형 23"/>
+          <p:cNvSpPr/>
+          <p:nvPr/>
+        </p:nvSpPr>
+        <p:spPr>
+          <a:xfrm>
+            <a:off x="4255907" y="6049930"/>
+            <a:ext cx="1836283" cy="336769"/>
+          </a:xfrm>
+          <a:prstGeom prst="rect">
+            <a:avLst/>
+          </a:prstGeom>
+        </p:spPr>
+        <p:txBody>
+          <a:bodyPr wrap="square">
+            <a:spAutoFit/>
+          </a:bodyPr>
+          <a:lstStyle/>
+          <a:p>
+            <a:pPr algn="ctr">
+              <a:lnSpc>
+                <a:spcPct val="150000"/>
+              </a:lnSpc>
+              <a:defRPr lang="ko-KR" altLang="en-US"/>
+            </a:pPr>
+            <a:r>
+              <a:rPr lang="en-US" altLang="ko-KR" sz="1100">
+                <a:solidFill>
+                  <a:prstClr val="black">
+                    <a:lumMod val="65000"/>
+                    <a:lumOff val="35000"/>
+                  </a:prstClr>
+                </a:solidFill>
+              </a:rPr>
+              <a:t>FoodDataActivity</a:t>
+            </a:r>
+            <a:endParaRPr lang="en-US" altLang="ko-KR" sz="1100">
+              <a:solidFill>
+                <a:prstClr val="black">
+                  <a:lumMod val="65000"/>
+                  <a:lumOff val="35000"/>
+                </a:prstClr>
+              </a:solidFill>
+            </a:endParaRPr>
+          </a:p>
+        </p:txBody>
+      </p:sp>
+      <p:sp>
+        <p:nvSpPr>
+          <p:cNvPr id="86" name="직사각형 23"/>
+          <p:cNvSpPr/>
+          <p:nvPr/>
+        </p:nvSpPr>
+        <p:spPr>
+          <a:xfrm>
+            <a:off x="1748339" y="6042096"/>
+            <a:ext cx="1676851" cy="337749"/>
+          </a:xfrm>
+          <a:prstGeom prst="rect">
+            <a:avLst/>
+          </a:prstGeom>
+        </p:spPr>
+        <p:txBody>
+          <a:bodyPr wrap="square">
+            <a:spAutoFit/>
+          </a:bodyPr>
+          <a:lstStyle/>
+          <a:p>
+            <a:pPr algn="ctr">
+              <a:lnSpc>
+                <a:spcPct val="150000"/>
+              </a:lnSpc>
+              <a:defRPr lang="ko-KR" altLang="en-US"/>
+            </a:pPr>
+            <a:r>
+              <a:rPr lang="en-US" altLang="ko-KR" sz="1100">
+                <a:solidFill>
+                  <a:prstClr val="black">
+                    <a:lumMod val="65000"/>
+                    <a:lumOff val="35000"/>
+                  </a:prstClr>
+                </a:solidFill>
+              </a:rPr>
+              <a:t>Fragment - Food</a:t>
+            </a:r>
+            <a:endParaRPr lang="en-US" altLang="ko-KR" sz="1100">
+              <a:solidFill>
+                <a:prstClr val="black">
+                  <a:lumMod val="65000"/>
+                  <a:lumOff val="35000"/>
+                </a:prstClr>
+              </a:solidFill>
+            </a:endParaRPr>
+          </a:p>
+        </p:txBody>
+      </p:sp>
+    </p:spTree>
+  </p:cSld>
+  <p:clrMapOvr>
+    <a:masterClrMapping/>
+  </p:clrMapOvr>
+  <mc:AlternateContent xmlns:mc="http://schemas.openxmlformats.org/markup-compatibility/2006">
+    <mc:Choice xmlns:p14="http://schemas.microsoft.com/office/powerpoint/2010/main" Requires="p14">
+      <p:transition xmlns:mc="http://schemas.openxmlformats.org/markup-compatibility/2006" xmlns:p14="http://schemas.microsoft.com/office/powerpoint/2010/main" mc:Ignorable="p14" p14:dur="500"/>
+    </mc:Choice>
+    <mc:Fallback>
+      <p:transition/>
+    </mc:Fallback>
+  </mc:AlternateContent>
+  <p:timing>
+    <p:tnLst>
+      <p:par>
+        <p:cTn id="1" dur="indefinite" restart="never" nodeType="tmRoot"/>
+      </p:par>
+    </p:tnLst>
+  </p:timing>
+</p:sld>
+</file>
+
+<file path=ppt/slides/slide12.xml><?xml version="1.0" encoding="utf-8"?>
 <p:sld xmlns:a="http://schemas.openxmlformats.org/drawingml/2006/main" xmlns:r="http://schemas.openxmlformats.org/officeDocument/2006/relationships" xmlns:p="http://schemas.openxmlformats.org/presentationml/2006/main">
   <p:cSld>
     <p:bg>
@@ -5284,7 +7331,7 @@
 </p:sld>
 </file>
 
-<file path=ppt/slides/slide11.xml><?xml version="1.0" encoding="utf-8"?>
+<file path=ppt/slides/slide13.xml><?xml version="1.0" encoding="utf-8"?>
 <p:sld xmlns:a="http://schemas.openxmlformats.org/drawingml/2006/main" xmlns:r="http://schemas.openxmlformats.org/officeDocument/2006/relationships" xmlns:p="http://schemas.openxmlformats.org/presentationml/2006/main">
   <p:cSld>
     <p:bg>
@@ -6181,7 +8228,7 @@
 </p:sld>
 </file>
 
-<file path=ppt/slides/slide12.xml><?xml version="1.0" encoding="utf-8"?>
+<file path=ppt/slides/slide14.xml><?xml version="1.0" encoding="utf-8"?>
 <p:sld xmlns:a="http://schemas.openxmlformats.org/drawingml/2006/main" xmlns:r="http://schemas.openxmlformats.org/officeDocument/2006/relationships" xmlns:p="http://schemas.openxmlformats.org/presentationml/2006/main">
   <p:cSld>
     <p:bg>
@@ -7094,7 +9141,7 @@
 </p:sld>
 </file>
 
-<file path=ppt/slides/slide13.xml><?xml version="1.0" encoding="utf-8"?>
+<file path=ppt/slides/slide15.xml><?xml version="1.0" encoding="utf-8"?>
 <p:sld xmlns:a="http://schemas.openxmlformats.org/drawingml/2006/main" xmlns:r="http://schemas.openxmlformats.org/officeDocument/2006/relationships" xmlns:p="http://schemas.openxmlformats.org/presentationml/2006/main">
   <p:cSld>
     <p:bg>
@@ -17897,7 +19944,7 @@
 </p:sld>
 </file>
 
-<file path=ppt/slides/slide14.xml><?xml version="1.0" encoding="utf-8"?>
+<file path=ppt/slides/slide16.xml><?xml version="1.0" encoding="utf-8"?>
 <p:sld xmlns:a="http://schemas.openxmlformats.org/drawingml/2006/main" xmlns:r="http://schemas.openxmlformats.org/officeDocument/2006/relationships" xmlns:p="http://schemas.openxmlformats.org/presentationml/2006/main">
   <p:cSld>
     <p:bg>
@@ -19274,7 +21321,7 @@
 </p:sld>
 </file>
 
-<file path=ppt/slides/slide15.xml><?xml version="1.0" encoding="utf-8"?>
+<file path=ppt/slides/slide17.xml><?xml version="1.0" encoding="utf-8"?>
 <p:sld xmlns:a="http://schemas.openxmlformats.org/drawingml/2006/main" xmlns:r="http://schemas.openxmlformats.org/officeDocument/2006/relationships" xmlns:p="http://schemas.openxmlformats.org/presentationml/2006/main">
   <p:cSld>
     <p:bg>
@@ -21553,7 +23600,7 @@
 </p:sld>
 </file>
 
-<file path=ppt/slides/slide16.xml><?xml version="1.0" encoding="utf-8"?>
+<file path=ppt/slides/slide18.xml><?xml version="1.0" encoding="utf-8"?>
 <p:sld xmlns:a="http://schemas.openxmlformats.org/drawingml/2006/main" xmlns:r="http://schemas.openxmlformats.org/officeDocument/2006/relationships" xmlns:p="http://schemas.openxmlformats.org/presentationml/2006/main">
   <p:cSld>
     <p:spTree>
@@ -31151,14 +33198,13 @@
 </file>
 
 <file path=ppt/slides/slide8.xml><?xml version="1.0" encoding="utf-8"?>
-<p:sld xmlns:a="http://schemas.openxmlformats.org/drawingml/2006/main" xmlns:r="http://schemas.openxmlformats.org/officeDocument/2006/relationships" xmlns:p="http://schemas.openxmlformats.org/presentationml/2006/main">
+<p:sld xmlns:r="http://schemas.openxmlformats.org/officeDocument/2006/relationships" xmlns:c="http://schemas.openxmlformats.org/drawingml/2006/chart" xmlns:a="http://schemas.openxmlformats.org/drawingml/2006/main" xmlns:dgm="http://schemas.openxmlformats.org/drawingml/2006/diagram" xmlns:dsp="http://schemas.microsoft.com/office/drawing/2008/diagram" xmlns:p="http://schemas.openxmlformats.org/presentationml/2006/main">
   <p:cSld>
     <p:bg>
-      <p:bgPr>
+      <p:bgPr shadeToTitle="0">
         <a:solidFill>
-          <a:srgbClr val="DFE7F2"/>
+          <a:srgbClr val="dfe7f2"/>
         </a:solidFill>
-        <a:effectLst/>
       </p:bgPr>
     </p:bg>
     <p:spTree>
@@ -31199,7 +33245,7 @@
           </a:ln>
           <a:effectLst>
             <a:outerShdw blurRad="190500" dist="241300" dir="2700000" sx="98000" sy="98000" algn="tl" rotWithShape="0">
-              <a:srgbClr val="9AA6C0"/>
+              <a:srgbClr val="9aa6c0"/>
             </a:outerShdw>
           </a:effectLst>
         </p:spPr>
@@ -31228,7 +33274,7 @@
             </a:pPr>
             <a:endParaRPr lang="en-US" altLang="ko-KR" sz="2000" b="1" i="1" kern="0">
               <a:solidFill>
-                <a:srgbClr val="9AA6C0"/>
+                <a:srgbClr val="9aa6c0"/>
               </a:solidFill>
             </a:endParaRPr>
           </a:p>
@@ -31297,7 +33343,7 @@
           <p:nvPr/>
         </p:nvGrpSpPr>
         <p:grpSpPr>
-          <a:xfrm>
+          <a:xfrm rot="0">
             <a:off x="674608" y="497611"/>
             <a:ext cx="5507117" cy="568172"/>
             <a:chOff x="588883" y="392836"/>
@@ -31328,7 +33374,7 @@
             </a:ln>
             <a:effectLst>
               <a:outerShdw blurRad="190500" dist="101600" dir="2700000" sx="98000" sy="98000" algn="tl" rotWithShape="0">
-                <a:srgbClr val="9AA6C0"/>
+                <a:srgbClr val="9aa6c0"/>
               </a:outerShdw>
             </a:effectLst>
           </p:spPr>
@@ -31356,21 +33402,26 @@
                 <a:defRPr lang="ko-KR"/>
               </a:pPr>
               <a:r>
+                <a:rPr lang="en-US" altLang="ko-KR" sz="2000" b="1" i="1" kern="0">
+                  <a:solidFill>
+                    <a:srgbClr val="9aa6c0"/>
+                  </a:solidFill>
+                </a:rPr>
+                <a:t>Login, </a:t>
+              </a:r>
+              <a:r>
                 <a:rPr lang="ko-KR" altLang="en-US" sz="2000" b="1" i="1" kern="0">
                   <a:solidFill>
-                    <a:srgbClr val="9AA6C0"/>
+                    <a:srgbClr val="9aa6c0"/>
                   </a:solidFill>
                 </a:rPr>
-                <a:t>나만의 식단</a:t>
+                <a:t>회원가입</a:t>
               </a:r>
-              <a:r>
-                <a:rPr lang="en-US" altLang="ko-KR" sz="2000" b="1" i="1" kern="0">
-                  <a:solidFill>
-                    <a:srgbClr val="9AA6C0"/>
-                  </a:solidFill>
-                </a:rPr>
-                <a:t> </a:t>
-              </a:r>
+              <a:endParaRPr lang="ko-KR" altLang="en-US" sz="2000" b="1" i="1" kern="0">
+                <a:solidFill>
+                  <a:srgbClr val="9aa6c0"/>
+                </a:solidFill>
+              </a:endParaRPr>
             </a:p>
           </p:txBody>
         </p:sp>
@@ -31391,14 +33442,14 @@
               </a:avLst>
             </a:prstGeom>
             <a:solidFill>
-              <a:srgbClr val="9AA6C0"/>
+              <a:srgbClr val="9aa6c0"/>
             </a:solidFill>
             <a:ln>
               <a:noFill/>
             </a:ln>
             <a:effectLst>
               <a:outerShdw blurRad="190500" dist="50800" dir="2700000" sx="98000" sy="98000" algn="tl" rotWithShape="0">
-                <a:srgbClr val="9AA6C0"/>
+                <a:srgbClr val="9aa6c0"/>
               </a:outerShdw>
             </a:effectLst>
           </p:spPr>
@@ -31645,7 +33696,7 @@
           <p:nvPr/>
         </p:nvGrpSpPr>
         <p:grpSpPr>
-          <a:xfrm>
+          <a:xfrm rot="0">
             <a:off x="6997269" y="1698900"/>
             <a:ext cx="4167889" cy="2798323"/>
             <a:chOff x="8092199" y="2867001"/>
@@ -31674,7 +33725,7 @@
             </a:solidFill>
             <a:ln>
               <a:solidFill>
-                <a:srgbClr val="9AA6C0"/>
+                <a:srgbClr val="9aa6c0"/>
               </a:solidFill>
             </a:ln>
             <a:effectLst/>
@@ -31725,7 +33776,7 @@
               <a:avLst/>
             </a:prstGeom>
             <a:solidFill>
-              <a:srgbClr val="9AA6C0"/>
+              <a:srgbClr val="9aa6c0"/>
             </a:solidFill>
             <a:ln>
               <a:noFill/>
@@ -31770,8 +33821,8 @@
           </p:nvSpPr>
           <p:spPr>
             <a:xfrm>
-              <a:off x="8101726" y="2876526"/>
-              <a:ext cx="336660" cy="150452"/>
+              <a:off x="8101725" y="2876525"/>
+              <a:ext cx="330126" cy="150453"/>
             </a:xfrm>
             <a:prstGeom prst="rect">
               <a:avLst/>
@@ -31848,6 +33899,13 @@
               </a:rPr>
               <a:t>CONTENTS</a:t>
             </a:r>
+            <a:endParaRPr lang="en-US" altLang="ko-KR" sz="1600" b="1">
+              <a:solidFill>
+                <a:prstClr val="white">
+                  <a:lumMod val="50000"/>
+                </a:prstClr>
+              </a:solidFill>
+            </a:endParaRPr>
           </a:p>
           <a:p>
             <a:pPr algn="ctr">
@@ -31866,6 +33924,13 @@
               </a:rPr>
               <a:t>컨텐츠에 대한 내용을 적어요</a:t>
             </a:r>
+            <a:endParaRPr lang="ko-KR" altLang="en-US" sz="1400">
+              <a:solidFill>
+                <a:prstClr val="white">
+                  <a:lumMod val="50000"/>
+                </a:prstClr>
+              </a:solidFill>
+            </a:endParaRPr>
           </a:p>
           <a:p>
             <a:pPr algn="ctr">
@@ -31884,109 +33949,16 @@
               </a:rPr>
               <a:t>Enjoy your stylish business and campus life with BIZCAM </a:t>
             </a:r>
+            <a:endParaRPr lang="ko-KR" altLang="en-US" sz="1000">
+              <a:solidFill>
+                <a:prstClr val="white">
+                  <a:lumMod val="75000"/>
+                </a:prstClr>
+              </a:solidFill>
+            </a:endParaRPr>
           </a:p>
         </p:txBody>
       </p:sp>
-      <p:pic>
-        <p:nvPicPr>
-          <p:cNvPr id="81" name="그림 80"/>
-          <p:cNvPicPr>
-            <a:picLocks noChangeAspect="1"/>
-          </p:cNvPicPr>
-          <p:nvPr/>
-        </p:nvPicPr>
-        <p:blipFill rotWithShape="1">
-          <a:blip r:embed="rId2" cstate="print"/>
-          <a:srcRect b="6640"/>
-          <a:stretch>
-            <a:fillRect/>
-          </a:stretch>
-        </p:blipFill>
-        <p:spPr>
-          <a:xfrm>
-            <a:off x="1541069" y="1712422"/>
-            <a:ext cx="1994548" cy="4257616"/>
-          </a:xfrm>
-          <a:prstGeom prst="rect">
-            <a:avLst/>
-          </a:prstGeom>
-        </p:spPr>
-      </p:pic>
-      <p:pic>
-        <p:nvPicPr>
-          <p:cNvPr id="82" name="그림 81"/>
-          <p:cNvPicPr>
-            <a:picLocks noChangeAspect="1"/>
-          </p:cNvPicPr>
-          <p:nvPr/>
-        </p:nvPicPr>
-        <p:blipFill rotWithShape="1">
-          <a:blip r:embed="rId3" cstate="print"/>
-          <a:srcRect b="7010"/>
-          <a:stretch>
-            <a:fillRect/>
-          </a:stretch>
-        </p:blipFill>
-        <p:spPr>
-          <a:xfrm>
-            <a:off x="4149383" y="1681830"/>
-            <a:ext cx="2063390" cy="4263546"/>
-          </a:xfrm>
-          <a:prstGeom prst="rect">
-            <a:avLst/>
-          </a:prstGeom>
-        </p:spPr>
-      </p:pic>
-      <p:pic>
-        <p:nvPicPr>
-          <p:cNvPr id="83" name="Picture 4"/>
-          <p:cNvPicPr>
-            <a:picLocks noChangeAspect="1" noChangeArrowheads="1"/>
-          </p:cNvPicPr>
-          <p:nvPr/>
-        </p:nvPicPr>
-        <p:blipFill rotWithShape="1">
-          <a:blip r:embed="rId4" cstate="print"/>
-          <a:stretch>
-            <a:fillRect/>
-          </a:stretch>
-        </p:blipFill>
-        <p:spPr>
-          <a:xfrm>
-            <a:off x="1486888" y="1548668"/>
-            <a:ext cx="2106179" cy="4592783"/>
-          </a:xfrm>
-          <a:prstGeom prst="rect">
-            <a:avLst/>
-          </a:prstGeom>
-          <a:noFill/>
-        </p:spPr>
-      </p:pic>
-      <p:pic>
-        <p:nvPicPr>
-          <p:cNvPr id="84" name="Picture 4"/>
-          <p:cNvPicPr>
-            <a:picLocks noChangeAspect="1" noChangeArrowheads="1"/>
-          </p:cNvPicPr>
-          <p:nvPr/>
-        </p:nvPicPr>
-        <p:blipFill rotWithShape="1">
-          <a:blip r:embed="rId4" cstate="print"/>
-          <a:stretch>
-            <a:fillRect/>
-          </a:stretch>
-        </p:blipFill>
-        <p:spPr>
-          <a:xfrm>
-            <a:off x="4105106" y="1522408"/>
-            <a:ext cx="2106179" cy="4592783"/>
-          </a:xfrm>
-          <a:prstGeom prst="rect">
-            <a:avLst/>
-          </a:prstGeom>
-          <a:noFill/>
-        </p:spPr>
-      </p:pic>
       <p:sp>
         <p:nvSpPr>
           <p:cNvPr id="85" name="직사각형 23"/>
@@ -32023,8 +33995,16 @@
                   </a:prstClr>
                 </a:solidFill>
               </a:rPr>
-              <a:t>FoodDataActivity</a:t>
+              <a:t>Kako Login API</a:t>
             </a:r>
+            <a:endParaRPr lang="en-US" altLang="ko-KR" sz="1100">
+              <a:solidFill>
+                <a:prstClr val="black">
+                  <a:lumMod val="65000"/>
+                  <a:lumOff val="35000"/>
+                </a:prstClr>
+              </a:solidFill>
+            </a:endParaRPr>
           </a:p>
         </p:txBody>
       </p:sp>
@@ -32064,18 +34044,122 @@
                   </a:prstClr>
                 </a:solidFill>
               </a:rPr>
-              <a:t>Fragment - Food</a:t>
+              <a:t>Login-Activity</a:t>
             </a:r>
+            <a:endParaRPr lang="en-US" altLang="ko-KR" sz="1100">
+              <a:solidFill>
+                <a:prstClr val="black">
+                  <a:lumMod val="65000"/>
+                  <a:lumOff val="35000"/>
+                </a:prstClr>
+              </a:solidFill>
+            </a:endParaRPr>
           </a:p>
         </p:txBody>
       </p:sp>
+      <p:pic>
+        <p:nvPicPr>
+          <p:cNvPr id="178" name=""/>
+          <p:cNvPicPr/>
+          <p:nvPr/>
+        </p:nvPicPr>
+        <p:blipFill rotWithShape="1">
+          <a:blip r:embed="rId2"/>
+          <a:srcRect r="3290" b="6490"/>
+          <a:stretch>
+            <a:fillRect/>
+          </a:stretch>
+        </p:blipFill>
+        <p:spPr>
+          <a:xfrm>
+            <a:off x="1671637" y="1724024"/>
+            <a:ext cx="1994400" cy="4257720"/>
+          </a:xfrm>
+          <a:prstGeom prst="rect">
+            <a:avLst/>
+          </a:prstGeom>
+        </p:spPr>
+      </p:pic>
+      <p:pic>
+        <p:nvPicPr>
+          <p:cNvPr id="83" name="Picture 4"/>
+          <p:cNvPicPr>
+            <a:picLocks noChangeAspect="1" noChangeArrowheads="1"/>
+          </p:cNvPicPr>
+          <p:nvPr/>
+        </p:nvPicPr>
+        <p:blipFill rotWithShape="1">
+          <a:blip r:embed="rId3"/>
+          <a:stretch>
+            <a:fillRect/>
+          </a:stretch>
+        </p:blipFill>
+        <p:spPr>
+          <a:xfrm>
+            <a:off x="1619250" y="1548667"/>
+            <a:ext cx="2106179" cy="4592783"/>
+          </a:xfrm>
+          <a:prstGeom prst="rect">
+            <a:avLst/>
+          </a:prstGeom>
+          <a:noFill/>
+        </p:spPr>
+      </p:pic>
+      <p:pic>
+        <p:nvPicPr>
+          <p:cNvPr id="179" name=""/>
+          <p:cNvPicPr/>
+          <p:nvPr/>
+        </p:nvPicPr>
+        <p:blipFill rotWithShape="1">
+          <a:blip r:embed="rId4"/>
+          <a:srcRect b="6530"/>
+          <a:stretch>
+            <a:fillRect/>
+          </a:stretch>
+        </p:blipFill>
+        <p:spPr>
+          <a:xfrm>
+            <a:off x="4186238" y="1685925"/>
+            <a:ext cx="1994400" cy="4257720"/>
+          </a:xfrm>
+          <a:prstGeom prst="rect">
+            <a:avLst/>
+          </a:prstGeom>
+        </p:spPr>
+      </p:pic>
+      <p:pic>
+        <p:nvPicPr>
+          <p:cNvPr id="84" name="Picture 4"/>
+          <p:cNvPicPr>
+            <a:picLocks noChangeAspect="1" noChangeArrowheads="1"/>
+          </p:cNvPicPr>
+          <p:nvPr/>
+        </p:nvPicPr>
+        <p:blipFill rotWithShape="1">
+          <a:blip r:embed="rId5"/>
+          <a:stretch>
+            <a:fillRect/>
+          </a:stretch>
+        </p:blipFill>
+        <p:spPr>
+          <a:xfrm>
+            <a:off x="4133681" y="1542183"/>
+            <a:ext cx="2106179" cy="4592783"/>
+          </a:xfrm>
+          <a:prstGeom prst="rect">
+            <a:avLst/>
+          </a:prstGeom>
+          <a:noFill/>
+        </p:spPr>
+      </p:pic>
     </p:spTree>
   </p:cSld>
   <p:clrMapOvr>
     <a:masterClrMapping/>
   </p:clrMapOvr>
   <mc:AlternateContent xmlns:mc="http://schemas.openxmlformats.org/markup-compatibility/2006">
-    <mc:Choice xmlns:p14="http://schemas.microsoft.com/office/powerpoint/2010/main" xmlns:dsp="http://schemas.microsoft.com/office/drawing/2008/diagram" xmlns:dgm="http://schemas.openxmlformats.org/drawingml/2006/diagram" xmlns:c="http://schemas.openxmlformats.org/drawingml/2006/chart" xmlns="" Requires="p14">
+    <mc:Choice xmlns:p14="http://schemas.microsoft.com/office/powerpoint/2010/main" Requires="p14">
       <p:transition xmlns:mc="http://schemas.openxmlformats.org/markup-compatibility/2006" xmlns:p14="http://schemas.microsoft.com/office/powerpoint/2010/main" mc:Ignorable="p14" p14:dur="500"/>
     </mc:Choice>
     <mc:Fallback>
@@ -32093,14 +34177,13 @@
 </file>
 
 <file path=ppt/slides/slide9.xml><?xml version="1.0" encoding="utf-8"?>
-<p:sld xmlns:a="http://schemas.openxmlformats.org/drawingml/2006/main" xmlns:r="http://schemas.openxmlformats.org/officeDocument/2006/relationships" xmlns:p="http://schemas.openxmlformats.org/presentationml/2006/main">
+<p:sld xmlns:r="http://schemas.openxmlformats.org/officeDocument/2006/relationships" xmlns:c="http://schemas.openxmlformats.org/drawingml/2006/chart" xmlns:a="http://schemas.openxmlformats.org/drawingml/2006/main" xmlns:dgm="http://schemas.openxmlformats.org/drawingml/2006/diagram" xmlns:dsp="http://schemas.microsoft.com/office/drawing/2008/diagram" xmlns:p="http://schemas.openxmlformats.org/presentationml/2006/main">
   <p:cSld>
     <p:bg>
-      <p:bgPr>
+      <p:bgPr shadeToTitle="0">
         <a:solidFill>
-          <a:srgbClr val="DFE7F2"/>
+          <a:srgbClr val="dfe7f2"/>
         </a:solidFill>
-        <a:effectLst/>
       </p:bgPr>
     </p:bg>
     <p:spTree>
@@ -32141,7 +34224,7 @@
           </a:ln>
           <a:effectLst>
             <a:outerShdw blurRad="190500" dist="241300" dir="2700000" sx="98000" sy="98000" algn="tl" rotWithShape="0">
-              <a:srgbClr val="9AA6C0"/>
+              <a:srgbClr val="9aa6c0"/>
             </a:outerShdw>
           </a:effectLst>
         </p:spPr>
@@ -32170,7 +34253,7 @@
             </a:pPr>
             <a:endParaRPr lang="en-US" altLang="ko-KR" sz="2000" b="1" i="1" kern="0">
               <a:solidFill>
-                <a:srgbClr val="9AA6C0"/>
+                <a:srgbClr val="9aa6c0"/>
               </a:solidFill>
             </a:endParaRPr>
           </a:p>
@@ -32234,12 +34317,12 @@
       </p:sp>
       <p:grpSp>
         <p:nvGrpSpPr>
-          <p:cNvPr id="2" name="그룹 86"/>
+          <p:cNvPr id="87" name="그룹 86"/>
           <p:cNvGrpSpPr/>
           <p:nvPr/>
         </p:nvGrpSpPr>
         <p:grpSpPr>
-          <a:xfrm>
+          <a:xfrm rot="0">
             <a:off x="674608" y="497611"/>
             <a:ext cx="5507117" cy="568172"/>
             <a:chOff x="588883" y="392836"/>
@@ -32270,7 +34353,7 @@
             </a:ln>
             <a:effectLst>
               <a:outerShdw blurRad="190500" dist="101600" dir="2700000" sx="98000" sy="98000" algn="tl" rotWithShape="0">
-                <a:srgbClr val="9AA6C0"/>
+                <a:srgbClr val="9aa6c0"/>
               </a:outerShdw>
             </a:effectLst>
           </p:spPr>
@@ -32298,16 +34381,24 @@
                 <a:defRPr lang="ko-KR"/>
               </a:pPr>
               <a:r>
-                <a:rPr lang="ko-KR" altLang="en-US" sz="2000" b="1" i="1" kern="0" dirty="0" smtClean="0">
+                <a:rPr lang="ko-KR" altLang="en-US" sz="2000" b="1" i="1" kern="0">
                   <a:solidFill>
-                    <a:srgbClr val="9AA6C0"/>
+                    <a:srgbClr val="9aa6c0"/>
                   </a:solidFill>
                 </a:rPr>
-                <a:t>수면 데이터</a:t>
+                <a:t>나만의 식단</a:t>
               </a:r>
-              <a:endParaRPr lang="en-US" altLang="ko-KR" sz="2000" b="1" i="1" kern="0" dirty="0">
+              <a:r>
+                <a:rPr lang="en-US" altLang="ko-KR" sz="2000" b="1" i="1" kern="0">
+                  <a:solidFill>
+                    <a:srgbClr val="9aa6c0"/>
+                  </a:solidFill>
+                </a:rPr>
+                <a:t> </a:t>
+              </a:r>
+              <a:endParaRPr lang="en-US" altLang="ko-KR" sz="2000" b="1" i="1" kern="0">
                 <a:solidFill>
-                  <a:srgbClr val="9AA6C0"/>
+                  <a:srgbClr val="9aa6c0"/>
                 </a:solidFill>
               </a:endParaRPr>
             </a:p>
@@ -32330,14 +34421,14 @@
               </a:avLst>
             </a:prstGeom>
             <a:solidFill>
-              <a:srgbClr val="9AA6C0"/>
+              <a:srgbClr val="9aa6c0"/>
             </a:solidFill>
             <a:ln>
               <a:noFill/>
             </a:ln>
             <a:effectLst>
               <a:outerShdw blurRad="190500" dist="50800" dir="2700000" sx="98000" sy="98000" algn="tl" rotWithShape="0">
-                <a:srgbClr val="9AA6C0"/>
+                <a:srgbClr val="9aa6c0"/>
               </a:outerShdw>
             </a:effectLst>
           </p:spPr>
@@ -32579,12 +34670,12 @@
       </p:sp>
       <p:grpSp>
         <p:nvGrpSpPr>
-          <p:cNvPr id="3" name="그룹 130"/>
+          <p:cNvPr id="76" name="그룹 130"/>
           <p:cNvGrpSpPr/>
           <p:nvPr/>
         </p:nvGrpSpPr>
         <p:grpSpPr>
-          <a:xfrm>
+          <a:xfrm rot="0">
             <a:off x="6997269" y="1698900"/>
             <a:ext cx="4167889" cy="2798323"/>
             <a:chOff x="8092199" y="2867001"/>
@@ -32613,7 +34704,7 @@
             </a:solidFill>
             <a:ln>
               <a:solidFill>
-                <a:srgbClr val="9AA6C0"/>
+                <a:srgbClr val="9aa6c0"/>
               </a:solidFill>
             </a:ln>
             <a:effectLst/>
@@ -32664,7 +34755,7 @@
               <a:avLst/>
             </a:prstGeom>
             <a:solidFill>
-              <a:srgbClr val="9AA6C0"/>
+              <a:srgbClr val="9aa6c0"/>
             </a:solidFill>
             <a:ln>
               <a:noFill/>
@@ -32709,8 +34800,8 @@
           </p:nvSpPr>
           <p:spPr>
             <a:xfrm>
-              <a:off x="8101726" y="2876526"/>
-              <a:ext cx="336660" cy="150452"/>
+              <a:off x="8101725" y="2876525"/>
+              <a:ext cx="330126" cy="150453"/>
             </a:xfrm>
             <a:prstGeom prst="rect">
               <a:avLst/>
@@ -32787,6 +34878,13 @@
               </a:rPr>
               <a:t>CONTENTS</a:t>
             </a:r>
+            <a:endParaRPr lang="en-US" altLang="ko-KR" sz="1600" b="1">
+              <a:solidFill>
+                <a:prstClr val="white">
+                  <a:lumMod val="50000"/>
+                </a:prstClr>
+              </a:solidFill>
+            </a:endParaRPr>
           </a:p>
           <a:p>
             <a:pPr algn="ctr">
@@ -32805,6 +34903,13 @@
               </a:rPr>
               <a:t>컨텐츠에 대한 내용을 적어요</a:t>
             </a:r>
+            <a:endParaRPr lang="ko-KR" altLang="en-US" sz="1400">
+              <a:solidFill>
+                <a:prstClr val="white">
+                  <a:lumMod val="50000"/>
+                </a:prstClr>
+              </a:solidFill>
+            </a:endParaRPr>
           </a:p>
           <a:p>
             <a:pPr algn="ctr">
@@ -32823,9 +34928,41 @@
               </a:rPr>
               <a:t>Enjoy your stylish business and campus life with BIZCAM </a:t>
             </a:r>
+            <a:endParaRPr lang="ko-KR" altLang="en-US" sz="1000">
+              <a:solidFill>
+                <a:prstClr val="white">
+                  <a:lumMod val="75000"/>
+                </a:prstClr>
+              </a:solidFill>
+            </a:endParaRPr>
           </a:p>
         </p:txBody>
       </p:sp>
+      <p:pic>
+        <p:nvPicPr>
+          <p:cNvPr id="81" name="그림 80"/>
+          <p:cNvPicPr>
+            <a:picLocks noChangeAspect="1"/>
+          </p:cNvPicPr>
+          <p:nvPr/>
+        </p:nvPicPr>
+        <p:blipFill rotWithShape="1">
+          <a:blip r:embed="rId2"/>
+          <a:srcRect b="6640"/>
+          <a:stretch>
+            <a:fillRect/>
+          </a:stretch>
+        </p:blipFill>
+        <p:spPr>
+          <a:xfrm>
+            <a:off x="1541069" y="1712422"/>
+            <a:ext cx="1994548" cy="4257616"/>
+          </a:xfrm>
+          <a:prstGeom prst="rect">
+            <a:avLst/>
+          </a:prstGeom>
+        </p:spPr>
+      </p:pic>
       <p:pic>
         <p:nvPicPr>
           <p:cNvPr id="83" name="Picture 4"/>
@@ -32835,39 +34972,14 @@
           <p:nvPr/>
         </p:nvPicPr>
         <p:blipFill rotWithShape="1">
-          <a:blip r:embed="rId2" cstate="print"/>
+          <a:blip r:embed="rId3"/>
           <a:stretch>
             <a:fillRect/>
           </a:stretch>
         </p:blipFill>
         <p:spPr>
           <a:xfrm>
-            <a:off x="1467838" y="1548668"/>
-            <a:ext cx="2106179" cy="4592783"/>
-          </a:xfrm>
-          <a:prstGeom prst="rect">
-            <a:avLst/>
-          </a:prstGeom>
-          <a:noFill/>
-        </p:spPr>
-      </p:pic>
-      <p:pic>
-        <p:nvPicPr>
-          <p:cNvPr id="84" name="Picture 4"/>
-          <p:cNvPicPr>
-            <a:picLocks noChangeAspect="1" noChangeArrowheads="1"/>
-          </p:cNvPicPr>
-          <p:nvPr/>
-        </p:nvPicPr>
-        <p:blipFill rotWithShape="1">
-          <a:blip r:embed="rId2" cstate="print"/>
-          <a:stretch>
-            <a:fillRect/>
-          </a:stretch>
-        </p:blipFill>
-        <p:spPr>
-          <a:xfrm>
-            <a:off x="4162256" y="1522408"/>
+            <a:off x="1486888" y="1548668"/>
             <a:ext cx="2106179" cy="4592783"/>
           </a:xfrm>
           <a:prstGeom prst="rect">
@@ -32914,6 +35026,14 @@
               </a:rPr>
               <a:t>FoodDataActivity</a:t>
             </a:r>
+            <a:endParaRPr lang="en-US" altLang="ko-KR" sz="1100">
+              <a:solidFill>
+                <a:prstClr val="black">
+                  <a:lumMod val="65000"/>
+                  <a:lumOff val="35000"/>
+                </a:prstClr>
+              </a:solidFill>
+            </a:endParaRPr>
           </a:p>
         </p:txBody>
       </p:sp>
@@ -32955,16 +35075,72 @@
               </a:rPr>
               <a:t>Fragment - Food</a:t>
             </a:r>
+            <a:endParaRPr lang="en-US" altLang="ko-KR" sz="1100">
+              <a:solidFill>
+                <a:prstClr val="black">
+                  <a:lumMod val="65000"/>
+                  <a:lumOff val="35000"/>
+                </a:prstClr>
+              </a:solidFill>
+            </a:endParaRPr>
           </a:p>
         </p:txBody>
       </p:sp>
+      <p:pic>
+        <p:nvPicPr>
+          <p:cNvPr id="177" name=""/>
+          <p:cNvPicPr/>
+          <p:nvPr/>
+        </p:nvPicPr>
+        <p:blipFill rotWithShape="1">
+          <a:blip r:embed="rId4"/>
+          <a:srcRect b="6390"/>
+          <a:stretch>
+            <a:fillRect/>
+          </a:stretch>
+        </p:blipFill>
+        <p:spPr>
+          <a:xfrm>
+            <a:off x="4262437" y="1695450"/>
+            <a:ext cx="1994400" cy="4255200"/>
+          </a:xfrm>
+          <a:prstGeom prst="rect">
+            <a:avLst/>
+          </a:prstGeom>
+        </p:spPr>
+      </p:pic>
+      <p:pic>
+        <p:nvPicPr>
+          <p:cNvPr id="84" name="Picture 4"/>
+          <p:cNvPicPr>
+            <a:picLocks noChangeAspect="1" noChangeArrowheads="1"/>
+          </p:cNvPicPr>
+          <p:nvPr/>
+        </p:nvPicPr>
+        <p:blipFill rotWithShape="1">
+          <a:blip r:embed="rId5"/>
+          <a:stretch>
+            <a:fillRect/>
+          </a:stretch>
+        </p:blipFill>
+        <p:spPr>
+          <a:xfrm>
+            <a:off x="4219406" y="1532658"/>
+            <a:ext cx="2106179" cy="4592783"/>
+          </a:xfrm>
+          <a:prstGeom prst="rect">
+            <a:avLst/>
+          </a:prstGeom>
+          <a:noFill/>
+        </p:spPr>
+      </p:pic>
     </p:spTree>
   </p:cSld>
   <p:clrMapOvr>
     <a:masterClrMapping/>
   </p:clrMapOvr>
   <mc:AlternateContent xmlns:mc="http://schemas.openxmlformats.org/markup-compatibility/2006">
-    <mc:Choice xmlns:p14="http://schemas.microsoft.com/office/powerpoint/2010/main" xmlns:dsp="http://schemas.microsoft.com/office/drawing/2008/diagram" xmlns:dgm="http://schemas.openxmlformats.org/drawingml/2006/diagram" xmlns:c="http://schemas.openxmlformats.org/drawingml/2006/chart" xmlns="" Requires="p14">
+    <mc:Choice xmlns:p14="http://schemas.microsoft.com/office/powerpoint/2010/main" Requires="p14">
       <p:transition xmlns:mc="http://schemas.openxmlformats.org/markup-compatibility/2006" xmlns:p14="http://schemas.microsoft.com/office/powerpoint/2010/main" mc:Ignorable="p14" p14:dur="500"/>
     </mc:Choice>
     <mc:Fallback>
@@ -32982,44 +35158,44 @@
 </file>
 
 <file path=ppt/theme/theme1.xml><?xml version="1.0" encoding="utf-8"?>
-<a:theme xmlns:a="http://schemas.openxmlformats.org/drawingml/2006/main" name="15_Office 테마">
+<a:theme xmlns:r="http://schemas.openxmlformats.org/officeDocument/2006/relationships" xmlns:c="http://schemas.openxmlformats.org/drawingml/2006/chart" xmlns:dgm="http://schemas.openxmlformats.org/drawingml/2006/diagram" xmlns:dsp="http://schemas.microsoft.com/office/drawing/2008/diagram" xmlns:a="http://schemas.openxmlformats.org/drawingml/2006/main" xmlns:pic="http://schemas.openxmlformats.org/drawingml/2006/picture" xmlns:wp="http://schemas.openxmlformats.org/drawingml/2006/wordprocessingDrawing" xmlns:xdr="http://schemas.openxmlformats.org/drawingml/2006/spreadsheetDrawing" name="15_Office 테마">
   <a:themeElements>
     <a:clrScheme name="Office">
       <a:dk1>
         <a:sysClr val="windowText" lastClr="000000"/>
       </a:dk1>
       <a:lt1>
-        <a:sysClr val="window" lastClr="FFFFFF"/>
+        <a:sysClr val="window" lastClr="ffffff"/>
       </a:lt1>
       <a:dk2>
-        <a:srgbClr val="44546A"/>
+        <a:srgbClr val="44546a"/>
       </a:dk2>
       <a:lt2>
-        <a:srgbClr val="E7E6E6"/>
+        <a:srgbClr val="e7e6e6"/>
       </a:lt2>
       <a:accent1>
-        <a:srgbClr val="4472C4"/>
+        <a:srgbClr val="4472c4"/>
       </a:accent1>
       <a:accent2>
-        <a:srgbClr val="ED7D31"/>
+        <a:srgbClr val="ed7d31"/>
       </a:accent2>
       <a:accent3>
-        <a:srgbClr val="A5A5A5"/>
+        <a:srgbClr val="a5a5a5"/>
       </a:accent3>
       <a:accent4>
-        <a:srgbClr val="FFC000"/>
+        <a:srgbClr val="ffc000"/>
       </a:accent4>
       <a:accent5>
-        <a:srgbClr val="5B9BD5"/>
+        <a:srgbClr val="5b9bd5"/>
       </a:accent5>
       <a:accent6>
-        <a:srgbClr val="70AD47"/>
+        <a:srgbClr val="70ad47"/>
       </a:accent6>
       <a:hlink>
-        <a:srgbClr val="0563C1"/>
+        <a:srgbClr val="0563c1"/>
       </a:hlink>
       <a:folHlink>
-        <a:srgbClr val="954F72"/>
+        <a:srgbClr val="954f72"/>
       </a:folHlink>
     </a:clrScheme>
     <a:fontScheme name="Office">
@@ -33266,7 +35442,5 @@
       </a:bgFillStyleLst>
     </a:fmtScheme>
   </a:themeElements>
-  <a:objectDefaults/>
-  <a:extraClrSchemeLst/>
 </a:theme>
 </file>